--- a/SDF/PropsalSlides/Doodle Fight.pptx
+++ b/SDF/PropsalSlides/Doodle Fight.pptx
@@ -1,23 +1,23 @@
 
 <file path=ppt/presentation.xml><?xml version="1.0" encoding="utf-8"?>
-<p:presentation xmlns:a="http://schemas.openxmlformats.org/drawingml/2006/main" xmlns:r="http://schemas.openxmlformats.org/officeDocument/2006/relationships" xmlns:mc="http://schemas.openxmlformats.org/markup-compatibility/2006" xmlns:mv="urn:schemas-microsoft-com:mac:vml" xmlns:p="http://schemas.openxmlformats.org/presentationml/2006/main" xmlns:c="http://schemas.openxmlformats.org/drawingml/2006/chart" xmlns:dgm="http://schemas.openxmlformats.org/drawingml/2006/diagram" xmlns:o="urn:schemas-microsoft-com:office:office" xmlns:v="urn:schemas-microsoft-com:vml" xmlns:pvml="urn:schemas-microsoft-com:office:powerpoint" xmlns:com="http://schemas.openxmlformats.org/drawingml/2006/compatibility" xmlns:p14="http://schemas.microsoft.com/office/powerpoint/2010/main" xmlns:p15="http://schemas.microsoft.com/office/powerpoint/2012/main" autoCompressPictures="0" strictFirstAndLastChars="0" saveSubsetFonts="1">
+<p:presentation xmlns:a="http://schemas.openxmlformats.org/drawingml/2006/main" xmlns:r="http://schemas.openxmlformats.org/officeDocument/2006/relationships" xmlns:p="http://schemas.openxmlformats.org/presentationml/2006/main" strictFirstAndLastChars="0" saveSubsetFonts="1" autoCompressPictures="0">
   <p:sldMasterIdLst>
-    <p:sldMasterId id="2147483659" r:id="rId3"/>
+    <p:sldMasterId id="2147483659" r:id="rId1"/>
   </p:sldMasterIdLst>
   <p:notesMasterIdLst>
-    <p:notesMasterId r:id="rId4"/>
+    <p:notesMasterId r:id="rId7"/>
   </p:notesMasterIdLst>
   <p:sldIdLst>
-    <p:sldId id="256" r:id="rId5"/>
-    <p:sldId id="257" r:id="rId6"/>
-    <p:sldId id="258" r:id="rId7"/>
-    <p:sldId id="259" r:id="rId8"/>
-    <p:sldId id="260" r:id="rId9"/>
+    <p:sldId id="256" r:id="rId2"/>
+    <p:sldId id="257" r:id="rId3"/>
+    <p:sldId id="258" r:id="rId4"/>
+    <p:sldId id="259" r:id="rId5"/>
+    <p:sldId id="260" r:id="rId6"/>
   </p:sldIdLst>
-  <p:sldSz cy="5143500" cx="9144000"/>
+  <p:sldSz cx="9144000" cy="5143500" type="screen16x9"/>
   <p:notesSz cx="6858000" cy="9144000"/>
   <p:defaultTextStyle>
-    <a:defPPr lvl="0" marR="0" rtl="0" algn="l">
+    <a:defPPr marR="0" lvl="0" algn="l" rtl="0">
       <a:lnSpc>
         <a:spcPct val="100000"/>
       </a:lnSpc>
@@ -28,7 +28,7 @@
         <a:spcPts val="0"/>
       </a:spcAft>
     </a:defPPr>
-    <a:lvl1pPr lvl="0" marR="0" rtl="0" algn="l">
+    <a:lvl1pPr marR="0" lvl="0" algn="l" rtl="0">
       <a:lnSpc>
         <a:spcPct val="100000"/>
       </a:lnSpc>
@@ -39,7 +39,7 @@
         <a:spcPts val="0"/>
       </a:spcAft>
       <a:buNone/>
-      <a:defRPr b="0" i="0" sz="1400" u="none" cap="none" strike="noStrike">
+      <a:defRPr sz="1400" b="0" i="0" u="none" strike="noStrike" cap="none">
         <a:solidFill>
           <a:srgbClr val="000000"/>
         </a:solidFill>
@@ -49,7 +49,7 @@
         <a:sym typeface="Arial"/>
       </a:defRPr>
     </a:lvl1pPr>
-    <a:lvl2pPr lvl="1" marR="0" rtl="0" algn="l">
+    <a:lvl2pPr marR="0" lvl="1" algn="l" rtl="0">
       <a:lnSpc>
         <a:spcPct val="100000"/>
       </a:lnSpc>
@@ -60,7 +60,7 @@
         <a:spcPts val="0"/>
       </a:spcAft>
       <a:buNone/>
-      <a:defRPr b="0" i="0" sz="1400" u="none" cap="none" strike="noStrike">
+      <a:defRPr sz="1400" b="0" i="0" u="none" strike="noStrike" cap="none">
         <a:solidFill>
           <a:srgbClr val="000000"/>
         </a:solidFill>
@@ -70,7 +70,7 @@
         <a:sym typeface="Arial"/>
       </a:defRPr>
     </a:lvl2pPr>
-    <a:lvl3pPr lvl="2" marR="0" rtl="0" algn="l">
+    <a:lvl3pPr marR="0" lvl="2" algn="l" rtl="0">
       <a:lnSpc>
         <a:spcPct val="100000"/>
       </a:lnSpc>
@@ -81,7 +81,7 @@
         <a:spcPts val="0"/>
       </a:spcAft>
       <a:buNone/>
-      <a:defRPr b="0" i="0" sz="1400" u="none" cap="none" strike="noStrike">
+      <a:defRPr sz="1400" b="0" i="0" u="none" strike="noStrike" cap="none">
         <a:solidFill>
           <a:srgbClr val="000000"/>
         </a:solidFill>
@@ -91,7 +91,7 @@
         <a:sym typeface="Arial"/>
       </a:defRPr>
     </a:lvl3pPr>
-    <a:lvl4pPr lvl="3" marR="0" rtl="0" algn="l">
+    <a:lvl4pPr marR="0" lvl="3" algn="l" rtl="0">
       <a:lnSpc>
         <a:spcPct val="100000"/>
       </a:lnSpc>
@@ -102,7 +102,7 @@
         <a:spcPts val="0"/>
       </a:spcAft>
       <a:buNone/>
-      <a:defRPr b="0" i="0" sz="1400" u="none" cap="none" strike="noStrike">
+      <a:defRPr sz="1400" b="0" i="0" u="none" strike="noStrike" cap="none">
         <a:solidFill>
           <a:srgbClr val="000000"/>
         </a:solidFill>
@@ -112,7 +112,7 @@
         <a:sym typeface="Arial"/>
       </a:defRPr>
     </a:lvl4pPr>
-    <a:lvl5pPr lvl="4" marR="0" rtl="0" algn="l">
+    <a:lvl5pPr marR="0" lvl="4" algn="l" rtl="0">
       <a:lnSpc>
         <a:spcPct val="100000"/>
       </a:lnSpc>
@@ -123,7 +123,7 @@
         <a:spcPts val="0"/>
       </a:spcAft>
       <a:buNone/>
-      <a:defRPr b="0" i="0" sz="1400" u="none" cap="none" strike="noStrike">
+      <a:defRPr sz="1400" b="0" i="0" u="none" strike="noStrike" cap="none">
         <a:solidFill>
           <a:srgbClr val="000000"/>
         </a:solidFill>
@@ -133,7 +133,7 @@
         <a:sym typeface="Arial"/>
       </a:defRPr>
     </a:lvl5pPr>
-    <a:lvl6pPr lvl="5" marR="0" rtl="0" algn="l">
+    <a:lvl6pPr marR="0" lvl="5" algn="l" rtl="0">
       <a:lnSpc>
         <a:spcPct val="100000"/>
       </a:lnSpc>
@@ -144,7 +144,7 @@
         <a:spcPts val="0"/>
       </a:spcAft>
       <a:buNone/>
-      <a:defRPr b="0" i="0" sz="1400" u="none" cap="none" strike="noStrike">
+      <a:defRPr sz="1400" b="0" i="0" u="none" strike="noStrike" cap="none">
         <a:solidFill>
           <a:srgbClr val="000000"/>
         </a:solidFill>
@@ -154,7 +154,7 @@
         <a:sym typeface="Arial"/>
       </a:defRPr>
     </a:lvl6pPr>
-    <a:lvl7pPr lvl="6" marR="0" rtl="0" algn="l">
+    <a:lvl7pPr marR="0" lvl="6" algn="l" rtl="0">
       <a:lnSpc>
         <a:spcPct val="100000"/>
       </a:lnSpc>
@@ -165,7 +165,7 @@
         <a:spcPts val="0"/>
       </a:spcAft>
       <a:buNone/>
-      <a:defRPr b="0" i="0" sz="1400" u="none" cap="none" strike="noStrike">
+      <a:defRPr sz="1400" b="0" i="0" u="none" strike="noStrike" cap="none">
         <a:solidFill>
           <a:srgbClr val="000000"/>
         </a:solidFill>
@@ -175,7 +175,7 @@
         <a:sym typeface="Arial"/>
       </a:defRPr>
     </a:lvl7pPr>
-    <a:lvl8pPr lvl="7" marR="0" rtl="0" algn="l">
+    <a:lvl8pPr marR="0" lvl="7" algn="l" rtl="0">
       <a:lnSpc>
         <a:spcPct val="100000"/>
       </a:lnSpc>
@@ -186,7 +186,7 @@
         <a:spcPts val="0"/>
       </a:spcAft>
       <a:buNone/>
-      <a:defRPr b="0" i="0" sz="1400" u="none" cap="none" strike="noStrike">
+      <a:defRPr sz="1400" b="0" i="0" u="none" strike="noStrike" cap="none">
         <a:solidFill>
           <a:srgbClr val="000000"/>
         </a:solidFill>
@@ -196,7 +196,7 @@
         <a:sym typeface="Arial"/>
       </a:defRPr>
     </a:lvl8pPr>
-    <a:lvl9pPr lvl="8" marR="0" rtl="0" algn="l">
+    <a:lvl9pPr marR="0" lvl="8" algn="l" rtl="0">
       <a:lnSpc>
         <a:spcPct val="100000"/>
       </a:lnSpc>
@@ -207,7 +207,7 @@
         <a:spcPts val="0"/>
       </a:spcAft>
       <a:buNone/>
-      <a:defRPr b="0" i="0" sz="1400" u="none" cap="none" strike="noStrike">
+      <a:defRPr sz="1400" b="0" i="0" u="none" strike="noStrike" cap="none">
         <a:solidFill>
           <a:srgbClr val="000000"/>
         </a:solidFill>
@@ -221,12 +221,21 @@
 </p:presentation>
 </file>
 
+<file path=ppt/revisionInfo.xml><?xml version="1.0" encoding="utf-8"?>
+<p1510:revInfo xmlns:a="http://schemas.openxmlformats.org/drawingml/2006/main" xmlns:r="http://schemas.openxmlformats.org/officeDocument/2006/relationships" xmlns:p1510="http://schemas.microsoft.com/office/powerpoint/2015/10/main"/>
+</file>
+
 <file path=ppt/notesMasters/notesMaster1.xml><?xml version="1.0" encoding="utf-8"?>
-<p:notesMaster xmlns:a="http://schemas.openxmlformats.org/drawingml/2006/main" xmlns:r="http://schemas.openxmlformats.org/officeDocument/2006/relationships" xmlns:mc="http://schemas.openxmlformats.org/markup-compatibility/2006" xmlns:mv="urn:schemas-microsoft-com:mac:vml" xmlns:p="http://schemas.openxmlformats.org/presentationml/2006/main" xmlns:c="http://schemas.openxmlformats.org/drawingml/2006/chart" xmlns:dgm="http://schemas.openxmlformats.org/drawingml/2006/diagram" xmlns:o="urn:schemas-microsoft-com:office:office" xmlns:v="urn:schemas-microsoft-com:vml" xmlns:pvml="urn:schemas-microsoft-com:office:powerpoint" xmlns:com="http://schemas.openxmlformats.org/drawingml/2006/compatibility" xmlns:p14="http://schemas.microsoft.com/office/powerpoint/2010/main" xmlns:p15="http://schemas.microsoft.com/office/powerpoint/2012/main">
+<p:notesMaster xmlns:a="http://schemas.openxmlformats.org/drawingml/2006/main" xmlns:r="http://schemas.openxmlformats.org/officeDocument/2006/relationships" xmlns:p="http://schemas.openxmlformats.org/presentationml/2006/main">
   <p:cSld>
+    <p:bg>
+      <p:bgRef idx="1001">
+        <a:schemeClr val="bg1"/>
+      </p:bgRef>
+    </p:bg>
     <p:spTree>
       <p:nvGrpSpPr>
-        <p:cNvPr id="2" name="Shape 2"/>
+        <p:cNvPr id="1" name="Shape 2"/>
         <p:cNvGrpSpPr/>
         <p:nvPr/>
       </p:nvGrpSpPr>
@@ -241,9 +250,11 @@
       <p:sp>
         <p:nvSpPr>
           <p:cNvPr id="3" name="Shape 3"/>
-          <p:cNvSpPr/>
+          <p:cNvSpPr>
+            <a:spLocks noGrp="1" noRot="1" noChangeAspect="1"/>
+          </p:cNvSpPr>
           <p:nvPr>
-            <p:ph idx="2" type="sldImg"/>
+            <p:ph type="sldImg" idx="2"/>
           </p:nvPr>
         </p:nvSpPr>
         <p:spPr>
@@ -252,8 +263,13 @@
             <a:ext cx="6096075" cy="3429000"/>
           </a:xfrm>
           <a:custGeom>
+            <a:avLst/>
+            <a:gdLst/>
+            <a:ahLst/>
+            <a:cxnLst/>
+            <a:rect l="0" t="0" r="0" b="0"/>
             <a:pathLst>
-              <a:path extrusionOk="0" h="120000" w="120000">
+              <a:path w="120000" h="120000" extrusionOk="0">
                 <a:moveTo>
                   <a:pt x="0" y="0"/>
                 </a:moveTo>
@@ -271,23 +287,25 @@
             </a:pathLst>
           </a:custGeom>
           <a:noFill/>
-          <a:ln cap="flat" cmpd="sng" w="9525">
+          <a:ln w="9525" cap="flat" cmpd="sng">
             <a:solidFill>
               <a:srgbClr val="000000"/>
             </a:solidFill>
             <a:prstDash val="solid"/>
             <a:round/>
-            <a:headEnd len="med" w="med" type="none"/>
-            <a:tailEnd len="med" w="med" type="none"/>
+            <a:headEnd type="none" w="med" len="med"/>
+            <a:tailEnd type="none" w="med" len="med"/>
           </a:ln>
         </p:spPr>
       </p:sp>
       <p:sp>
         <p:nvSpPr>
           <p:cNvPr id="4" name="Shape 4"/>
-          <p:cNvSpPr txBox="1"/>
+          <p:cNvSpPr txBox="1">
+            <a:spLocks noGrp="1"/>
+          </p:cNvSpPr>
           <p:nvPr>
-            <p:ph idx="1" type="body"/>
+            <p:ph type="body" idx="1"/>
           </p:nvPr>
         </p:nvSpPr>
         <p:spPr>
@@ -304,9 +322,9 @@
           </a:ln>
         </p:spPr>
         <p:txBody>
-          <a:bodyPr anchorCtr="0" anchor="t" bIns="91425" lIns="91425" spcFirstLastPara="1" rIns="91425" wrap="square" tIns="91425"/>
+          <a:bodyPr spcFirstLastPara="1" wrap="square" lIns="91425" tIns="91425" rIns="91425" bIns="91425" anchor="t" anchorCtr="0"/>
           <a:lstStyle>
-            <a:lvl1pPr indent="-298450" lvl="0" marL="457200">
+            <a:lvl1pPr marL="457200" lvl="0" indent="-298450">
               <a:spcBef>
                 <a:spcPts val="0"/>
               </a:spcBef>
@@ -317,7 +335,7 @@
               <a:buChar char="●"/>
               <a:defRPr sz="1100"/>
             </a:lvl1pPr>
-            <a:lvl2pPr indent="-298450" lvl="1" marL="914400">
+            <a:lvl2pPr marL="914400" lvl="1" indent="-298450">
               <a:spcBef>
                 <a:spcPts val="0"/>
               </a:spcBef>
@@ -328,7 +346,7 @@
               <a:buChar char="○"/>
               <a:defRPr sz="1100"/>
             </a:lvl2pPr>
-            <a:lvl3pPr indent="-298450" lvl="2" marL="1371600">
+            <a:lvl3pPr marL="1371600" lvl="2" indent="-298450">
               <a:spcBef>
                 <a:spcPts val="0"/>
               </a:spcBef>
@@ -339,7 +357,7 @@
               <a:buChar char="■"/>
               <a:defRPr sz="1100"/>
             </a:lvl3pPr>
-            <a:lvl4pPr indent="-298450" lvl="3" marL="1828800">
+            <a:lvl4pPr marL="1828800" lvl="3" indent="-298450">
               <a:spcBef>
                 <a:spcPts val="0"/>
               </a:spcBef>
@@ -350,7 +368,7 @@
               <a:buChar char="●"/>
               <a:defRPr sz="1100"/>
             </a:lvl4pPr>
-            <a:lvl5pPr indent="-298450" lvl="4" marL="2286000">
+            <a:lvl5pPr marL="2286000" lvl="4" indent="-298450">
               <a:spcBef>
                 <a:spcPts val="0"/>
               </a:spcBef>
@@ -361,7 +379,7 @@
               <a:buChar char="○"/>
               <a:defRPr sz="1100"/>
             </a:lvl5pPr>
-            <a:lvl6pPr indent="-298450" lvl="5" marL="2743200">
+            <a:lvl6pPr marL="2743200" lvl="5" indent="-298450">
               <a:spcBef>
                 <a:spcPts val="0"/>
               </a:spcBef>
@@ -372,7 +390,7 @@
               <a:buChar char="■"/>
               <a:defRPr sz="1100"/>
             </a:lvl6pPr>
-            <a:lvl7pPr indent="-298450" lvl="6" marL="3200400">
+            <a:lvl7pPr marL="3200400" lvl="6" indent="-298450">
               <a:spcBef>
                 <a:spcPts val="0"/>
               </a:spcBef>
@@ -383,7 +401,7 @@
               <a:buChar char="●"/>
               <a:defRPr sz="1100"/>
             </a:lvl7pPr>
-            <a:lvl8pPr indent="-298450" lvl="7" marL="3657600">
+            <a:lvl8pPr marL="3657600" lvl="7" indent="-298450">
               <a:spcBef>
                 <a:spcPts val="0"/>
               </a:spcBef>
@@ -394,7 +412,7 @@
               <a:buChar char="○"/>
               <a:defRPr sz="1100"/>
             </a:lvl8pPr>
-            <a:lvl9pPr indent="-298450" lvl="8" marL="4114800">
+            <a:lvl9pPr marL="4114800" lvl="8" indent="-298450">
               <a:spcBef>
                 <a:spcPts val="0"/>
               </a:spcBef>
@@ -406,21 +424,115 @@
               <a:defRPr sz="1100"/>
             </a:lvl9pPr>
           </a:lstStyle>
-          <a:p/>
+          <a:p>
+            <a:endParaRPr/>
+          </a:p>
         </p:txBody>
       </p:sp>
     </p:spTree>
   </p:cSld>
-  <p:clrMap accent1="accent1" accent2="accent2" accent3="accent3" accent4="accent4" accent5="accent5" accent6="accent6" bg1="lt1" bg2="dk2" tx1="dk1" tx2="lt2" folHlink="folHlink" hlink="hlink"/>
+  <p:clrMap bg1="lt1" tx1="dk1" bg2="dk2" tx2="lt2" accent1="accent1" accent2="accent2" accent3="accent3" accent4="accent4" accent5="accent5" accent6="accent6" hlink="hlink" folHlink="folHlink"/>
+  <p:notesStyle>
+    <a:lvl1pPr marL="0" algn="l" defTabSz="914400" rtl="0" eaLnBrk="1" latinLnBrk="0" hangingPunct="1">
+      <a:defRPr sz="1200" kern="1200">
+        <a:solidFill>
+          <a:schemeClr val="tx1"/>
+        </a:solidFill>
+        <a:latin typeface="+mn-lt"/>
+        <a:ea typeface="+mn-ea"/>
+        <a:cs typeface="+mn-cs"/>
+      </a:defRPr>
+    </a:lvl1pPr>
+    <a:lvl2pPr marL="457200" algn="l" defTabSz="914400" rtl="0" eaLnBrk="1" latinLnBrk="0" hangingPunct="1">
+      <a:defRPr sz="1200" kern="1200">
+        <a:solidFill>
+          <a:schemeClr val="tx1"/>
+        </a:solidFill>
+        <a:latin typeface="+mn-lt"/>
+        <a:ea typeface="+mn-ea"/>
+        <a:cs typeface="+mn-cs"/>
+      </a:defRPr>
+    </a:lvl2pPr>
+    <a:lvl3pPr marL="914400" algn="l" defTabSz="914400" rtl="0" eaLnBrk="1" latinLnBrk="0" hangingPunct="1">
+      <a:defRPr sz="1200" kern="1200">
+        <a:solidFill>
+          <a:schemeClr val="tx1"/>
+        </a:solidFill>
+        <a:latin typeface="+mn-lt"/>
+        <a:ea typeface="+mn-ea"/>
+        <a:cs typeface="+mn-cs"/>
+      </a:defRPr>
+    </a:lvl3pPr>
+    <a:lvl4pPr marL="1371600" algn="l" defTabSz="914400" rtl="0" eaLnBrk="1" latinLnBrk="0" hangingPunct="1">
+      <a:defRPr sz="1200" kern="1200">
+        <a:solidFill>
+          <a:schemeClr val="tx1"/>
+        </a:solidFill>
+        <a:latin typeface="+mn-lt"/>
+        <a:ea typeface="+mn-ea"/>
+        <a:cs typeface="+mn-cs"/>
+      </a:defRPr>
+    </a:lvl4pPr>
+    <a:lvl5pPr marL="1828800" algn="l" defTabSz="914400" rtl="0" eaLnBrk="1" latinLnBrk="0" hangingPunct="1">
+      <a:defRPr sz="1200" kern="1200">
+        <a:solidFill>
+          <a:schemeClr val="tx1"/>
+        </a:solidFill>
+        <a:latin typeface="+mn-lt"/>
+        <a:ea typeface="+mn-ea"/>
+        <a:cs typeface="+mn-cs"/>
+      </a:defRPr>
+    </a:lvl5pPr>
+    <a:lvl6pPr marL="2286000" algn="l" defTabSz="914400" rtl="0" eaLnBrk="1" latinLnBrk="0" hangingPunct="1">
+      <a:defRPr sz="1200" kern="1200">
+        <a:solidFill>
+          <a:schemeClr val="tx1"/>
+        </a:solidFill>
+        <a:latin typeface="+mn-lt"/>
+        <a:ea typeface="+mn-ea"/>
+        <a:cs typeface="+mn-cs"/>
+      </a:defRPr>
+    </a:lvl6pPr>
+    <a:lvl7pPr marL="2743200" algn="l" defTabSz="914400" rtl="0" eaLnBrk="1" latinLnBrk="0" hangingPunct="1">
+      <a:defRPr sz="1200" kern="1200">
+        <a:solidFill>
+          <a:schemeClr val="tx1"/>
+        </a:solidFill>
+        <a:latin typeface="+mn-lt"/>
+        <a:ea typeface="+mn-ea"/>
+        <a:cs typeface="+mn-cs"/>
+      </a:defRPr>
+    </a:lvl7pPr>
+    <a:lvl8pPr marL="3200400" algn="l" defTabSz="914400" rtl="0" eaLnBrk="1" latinLnBrk="0" hangingPunct="1">
+      <a:defRPr sz="1200" kern="1200">
+        <a:solidFill>
+          <a:schemeClr val="tx1"/>
+        </a:solidFill>
+        <a:latin typeface="+mn-lt"/>
+        <a:ea typeface="+mn-ea"/>
+        <a:cs typeface="+mn-cs"/>
+      </a:defRPr>
+    </a:lvl8pPr>
+    <a:lvl9pPr marL="3657600" algn="l" defTabSz="914400" rtl="0" eaLnBrk="1" latinLnBrk="0" hangingPunct="1">
+      <a:defRPr sz="1200" kern="1200">
+        <a:solidFill>
+          <a:schemeClr val="tx1"/>
+        </a:solidFill>
+        <a:latin typeface="+mn-lt"/>
+        <a:ea typeface="+mn-ea"/>
+        <a:cs typeface="+mn-cs"/>
+      </a:defRPr>
+    </a:lvl9pPr>
+  </p:notesStyle>
 </p:notesMaster>
 </file>
 
 <file path=ppt/notesSlides/notesSlide1.xml><?xml version="1.0" encoding="utf-8"?>
-<p:notes xmlns:a="http://schemas.openxmlformats.org/drawingml/2006/main" xmlns:r="http://schemas.openxmlformats.org/officeDocument/2006/relationships" xmlns:mc="http://schemas.openxmlformats.org/markup-compatibility/2006" xmlns:mv="urn:schemas-microsoft-com:mac:vml" xmlns:p="http://schemas.openxmlformats.org/presentationml/2006/main" xmlns:c="http://schemas.openxmlformats.org/drawingml/2006/chart" xmlns:dgm="http://schemas.openxmlformats.org/drawingml/2006/diagram" xmlns:o="urn:schemas-microsoft-com:office:office" xmlns:v="urn:schemas-microsoft-com:vml" xmlns:pvml="urn:schemas-microsoft-com:office:powerpoint" xmlns:com="http://schemas.openxmlformats.org/drawingml/2006/compatibility" xmlns:p14="http://schemas.microsoft.com/office/powerpoint/2010/main" xmlns:p15="http://schemas.microsoft.com/office/powerpoint/2012/main" showMasterPhAnim="0" showMasterSp="0">
+<p:notes xmlns:a="http://schemas.openxmlformats.org/drawingml/2006/main" xmlns:r="http://schemas.openxmlformats.org/officeDocument/2006/relationships" xmlns:p="http://schemas.openxmlformats.org/presentationml/2006/main" showMasterSp="0" showMasterPhAnim="0">
   <p:cSld>
     <p:spTree>
       <p:nvGrpSpPr>
-        <p:cNvPr id="50" name="Shape 50"/>
+        <p:cNvPr id="1" name="Shape 50"/>
         <p:cNvGrpSpPr/>
         <p:nvPr/>
       </p:nvGrpSpPr>
@@ -435,19 +547,26 @@
       <p:sp>
         <p:nvSpPr>
           <p:cNvPr id="51" name="Shape 51"/>
-          <p:cNvSpPr/>
+          <p:cNvSpPr>
+            <a:spLocks noGrp="1" noRot="1" noChangeAspect="1"/>
+          </p:cNvSpPr>
           <p:nvPr>
-            <p:ph idx="2" type="sldImg"/>
+            <p:ph type="sldImg" idx="2"/>
           </p:nvPr>
         </p:nvSpPr>
         <p:spPr>
           <a:xfrm>
-            <a:off x="381300" y="685800"/>
-            <a:ext cx="6096075" cy="3429000"/>
+            <a:off x="381000" y="685800"/>
+            <a:ext cx="6096000" cy="3429000"/>
           </a:xfrm>
           <a:custGeom>
+            <a:avLst/>
+            <a:gdLst/>
+            <a:ahLst/>
+            <a:cxnLst/>
+            <a:rect l="0" t="0" r="0" b="0"/>
             <a:pathLst>
-              <a:path extrusionOk="0" h="120000" w="120000">
+              <a:path w="120000" h="120000" extrusionOk="0">
                 <a:moveTo>
                   <a:pt x="0" y="0"/>
                 </a:moveTo>
@@ -469,9 +588,11 @@
       <p:sp>
         <p:nvSpPr>
           <p:cNvPr id="52" name="Shape 52"/>
-          <p:cNvSpPr txBox="1"/>
+          <p:cNvSpPr txBox="1">
+            <a:spLocks noGrp="1"/>
+          </p:cNvSpPr>
           <p:nvPr>
-            <p:ph idx="1" type="body"/>
+            <p:ph type="body" idx="1"/>
           </p:nvPr>
         </p:nvSpPr>
         <p:spPr>
@@ -484,12 +605,12 @@
           </a:prstGeom>
         </p:spPr>
         <p:txBody>
-          <a:bodyPr anchorCtr="0" anchor="t" bIns="91425" lIns="91425" spcFirstLastPara="1" rIns="91425" wrap="square" tIns="91425">
+          <a:bodyPr spcFirstLastPara="1" wrap="square" lIns="91425" tIns="91425" rIns="91425" bIns="91425" anchor="t" anchorCtr="0">
             <a:noAutofit/>
           </a:bodyPr>
           <a:lstStyle/>
           <a:p>
-            <a:pPr indent="0" lvl="0" marL="0">
+            <a:pPr marL="0" lvl="0" indent="0">
               <a:spcBef>
                 <a:spcPts val="0"/>
               </a:spcBef>
@@ -498,9 +619,6 @@
               </a:spcAft>
               <a:buNone/>
             </a:pPr>
-            <a:r>
-              <a:t/>
-            </a:r>
             <a:endParaRPr/>
           </a:p>
         </p:txBody>
@@ -514,11 +632,11 @@
 </file>
 
 <file path=ppt/notesSlides/notesSlide2.xml><?xml version="1.0" encoding="utf-8"?>
-<p:notes xmlns:a="http://schemas.openxmlformats.org/drawingml/2006/main" xmlns:r="http://schemas.openxmlformats.org/officeDocument/2006/relationships" xmlns:mc="http://schemas.openxmlformats.org/markup-compatibility/2006" xmlns:mv="urn:schemas-microsoft-com:mac:vml" xmlns:p="http://schemas.openxmlformats.org/presentationml/2006/main" xmlns:c="http://schemas.openxmlformats.org/drawingml/2006/chart" xmlns:dgm="http://schemas.openxmlformats.org/drawingml/2006/diagram" xmlns:o="urn:schemas-microsoft-com:office:office" xmlns:v="urn:schemas-microsoft-com:vml" xmlns:pvml="urn:schemas-microsoft-com:office:powerpoint" xmlns:com="http://schemas.openxmlformats.org/drawingml/2006/compatibility" xmlns:p14="http://schemas.microsoft.com/office/powerpoint/2010/main" xmlns:p15="http://schemas.microsoft.com/office/powerpoint/2012/main" showMasterPhAnim="0" showMasterSp="0">
+<p:notes xmlns:a="http://schemas.openxmlformats.org/drawingml/2006/main" xmlns:r="http://schemas.openxmlformats.org/officeDocument/2006/relationships" xmlns:p="http://schemas.openxmlformats.org/presentationml/2006/main" showMasterSp="0" showMasterPhAnim="0">
   <p:cSld>
     <p:spTree>
       <p:nvGrpSpPr>
-        <p:cNvPr id="56" name="Shape 56"/>
+        <p:cNvPr id="1" name="Shape 56"/>
         <p:cNvGrpSpPr/>
         <p:nvPr/>
       </p:nvGrpSpPr>
@@ -533,19 +651,26 @@
       <p:sp>
         <p:nvSpPr>
           <p:cNvPr id="57" name="Shape 57"/>
-          <p:cNvSpPr/>
+          <p:cNvSpPr>
+            <a:spLocks noGrp="1" noRot="1" noChangeAspect="1"/>
+          </p:cNvSpPr>
           <p:nvPr>
-            <p:ph idx="2" type="sldImg"/>
+            <p:ph type="sldImg" idx="2"/>
           </p:nvPr>
         </p:nvSpPr>
         <p:spPr>
           <a:xfrm>
-            <a:off x="381300" y="685800"/>
+            <a:off x="381000" y="685800"/>
             <a:ext cx="6096000" cy="3429000"/>
           </a:xfrm>
           <a:custGeom>
+            <a:avLst/>
+            <a:gdLst/>
+            <a:ahLst/>
+            <a:cxnLst/>
+            <a:rect l="0" t="0" r="0" b="0"/>
             <a:pathLst>
-              <a:path extrusionOk="0" h="120000" w="120000">
+              <a:path w="120000" h="120000" extrusionOk="0">
                 <a:moveTo>
                   <a:pt x="0" y="0"/>
                 </a:moveTo>
@@ -567,9 +692,11 @@
       <p:sp>
         <p:nvSpPr>
           <p:cNvPr id="58" name="Shape 58"/>
-          <p:cNvSpPr txBox="1"/>
+          <p:cNvSpPr txBox="1">
+            <a:spLocks noGrp="1"/>
+          </p:cNvSpPr>
           <p:nvPr>
-            <p:ph idx="1" type="body"/>
+            <p:ph type="body" idx="1"/>
           </p:nvPr>
         </p:nvSpPr>
         <p:spPr>
@@ -582,12 +709,12 @@
           </a:prstGeom>
         </p:spPr>
         <p:txBody>
-          <a:bodyPr anchorCtr="0" anchor="t" bIns="91425" lIns="91425" spcFirstLastPara="1" rIns="91425" wrap="square" tIns="91425">
+          <a:bodyPr spcFirstLastPara="1" wrap="square" lIns="91425" tIns="91425" rIns="91425" bIns="91425" anchor="t" anchorCtr="0">
             <a:noAutofit/>
           </a:bodyPr>
           <a:lstStyle/>
           <a:p>
-            <a:pPr indent="0" lvl="0" marL="0">
+            <a:pPr marL="0" lvl="0" indent="0">
               <a:spcBef>
                 <a:spcPts val="0"/>
               </a:spcBef>
@@ -596,9 +723,6 @@
               </a:spcAft>
               <a:buNone/>
             </a:pPr>
-            <a:r>
-              <a:t/>
-            </a:r>
             <a:endParaRPr/>
           </a:p>
         </p:txBody>
@@ -612,11 +736,11 @@
 </file>
 
 <file path=ppt/notesSlides/notesSlide3.xml><?xml version="1.0" encoding="utf-8"?>
-<p:notes xmlns:a="http://schemas.openxmlformats.org/drawingml/2006/main" xmlns:r="http://schemas.openxmlformats.org/officeDocument/2006/relationships" xmlns:mc="http://schemas.openxmlformats.org/markup-compatibility/2006" xmlns:mv="urn:schemas-microsoft-com:mac:vml" xmlns:p="http://schemas.openxmlformats.org/presentationml/2006/main" xmlns:c="http://schemas.openxmlformats.org/drawingml/2006/chart" xmlns:dgm="http://schemas.openxmlformats.org/drawingml/2006/diagram" xmlns:o="urn:schemas-microsoft-com:office:office" xmlns:v="urn:schemas-microsoft-com:vml" xmlns:pvml="urn:schemas-microsoft-com:office:powerpoint" xmlns:com="http://schemas.openxmlformats.org/drawingml/2006/compatibility" xmlns:p14="http://schemas.microsoft.com/office/powerpoint/2010/main" xmlns:p15="http://schemas.microsoft.com/office/powerpoint/2012/main" showMasterPhAnim="0" showMasterSp="0">
+<p:notes xmlns:a="http://schemas.openxmlformats.org/drawingml/2006/main" xmlns:r="http://schemas.openxmlformats.org/officeDocument/2006/relationships" xmlns:p="http://schemas.openxmlformats.org/presentationml/2006/main" showMasterSp="0" showMasterPhAnim="0">
   <p:cSld>
     <p:spTree>
       <p:nvGrpSpPr>
-        <p:cNvPr id="63" name="Shape 63"/>
+        <p:cNvPr id="1" name="Shape 63"/>
         <p:cNvGrpSpPr/>
         <p:nvPr/>
       </p:nvGrpSpPr>
@@ -631,19 +755,26 @@
       <p:sp>
         <p:nvSpPr>
           <p:cNvPr id="64" name="Shape 64"/>
-          <p:cNvSpPr/>
+          <p:cNvSpPr>
+            <a:spLocks noGrp="1" noRot="1" noChangeAspect="1"/>
+          </p:cNvSpPr>
           <p:nvPr>
-            <p:ph idx="2" type="sldImg"/>
+            <p:ph type="sldImg" idx="2"/>
           </p:nvPr>
         </p:nvSpPr>
         <p:spPr>
           <a:xfrm>
-            <a:off x="381300" y="685800"/>
+            <a:off x="381000" y="685800"/>
             <a:ext cx="6096000" cy="3429000"/>
           </a:xfrm>
           <a:custGeom>
+            <a:avLst/>
+            <a:gdLst/>
+            <a:ahLst/>
+            <a:cxnLst/>
+            <a:rect l="0" t="0" r="0" b="0"/>
             <a:pathLst>
-              <a:path extrusionOk="0" h="120000" w="120000">
+              <a:path w="120000" h="120000" extrusionOk="0">
                 <a:moveTo>
                   <a:pt x="0" y="0"/>
                 </a:moveTo>
@@ -665,9 +796,11 @@
       <p:sp>
         <p:nvSpPr>
           <p:cNvPr id="65" name="Shape 65"/>
-          <p:cNvSpPr txBox="1"/>
+          <p:cNvSpPr txBox="1">
+            <a:spLocks noGrp="1"/>
+          </p:cNvSpPr>
           <p:nvPr>
-            <p:ph idx="1" type="body"/>
+            <p:ph type="body" idx="1"/>
           </p:nvPr>
         </p:nvSpPr>
         <p:spPr>
@@ -680,12 +813,12 @@
           </a:prstGeom>
         </p:spPr>
         <p:txBody>
-          <a:bodyPr anchorCtr="0" anchor="t" bIns="91425" lIns="91425" spcFirstLastPara="1" rIns="91425" wrap="square" tIns="91425">
+          <a:bodyPr spcFirstLastPara="1" wrap="square" lIns="91425" tIns="91425" rIns="91425" bIns="91425" anchor="t" anchorCtr="0">
             <a:noAutofit/>
           </a:bodyPr>
           <a:lstStyle/>
           <a:p>
-            <a:pPr indent="0" lvl="0" marL="0">
+            <a:pPr marL="0" lvl="0" indent="0">
               <a:spcBef>
                 <a:spcPts val="0"/>
               </a:spcBef>
@@ -694,9 +827,6 @@
               </a:spcAft>
               <a:buNone/>
             </a:pPr>
-            <a:r>
-              <a:t/>
-            </a:r>
             <a:endParaRPr/>
           </a:p>
         </p:txBody>
@@ -710,11 +840,11 @@
 </file>
 
 <file path=ppt/notesSlides/notesSlide4.xml><?xml version="1.0" encoding="utf-8"?>
-<p:notes xmlns:a="http://schemas.openxmlformats.org/drawingml/2006/main" xmlns:r="http://schemas.openxmlformats.org/officeDocument/2006/relationships" xmlns:mc="http://schemas.openxmlformats.org/markup-compatibility/2006" xmlns:mv="urn:schemas-microsoft-com:mac:vml" xmlns:p="http://schemas.openxmlformats.org/presentationml/2006/main" xmlns:c="http://schemas.openxmlformats.org/drawingml/2006/chart" xmlns:dgm="http://schemas.openxmlformats.org/drawingml/2006/diagram" xmlns:o="urn:schemas-microsoft-com:office:office" xmlns:v="urn:schemas-microsoft-com:vml" xmlns:pvml="urn:schemas-microsoft-com:office:powerpoint" xmlns:com="http://schemas.openxmlformats.org/drawingml/2006/compatibility" xmlns:p14="http://schemas.microsoft.com/office/powerpoint/2010/main" xmlns:p15="http://schemas.microsoft.com/office/powerpoint/2012/main" showMasterPhAnim="0" showMasterSp="0">
+<p:notes xmlns:a="http://schemas.openxmlformats.org/drawingml/2006/main" xmlns:r="http://schemas.openxmlformats.org/officeDocument/2006/relationships" xmlns:p="http://schemas.openxmlformats.org/presentationml/2006/main" showMasterSp="0" showMasterPhAnim="0">
   <p:cSld>
     <p:spTree>
       <p:nvGrpSpPr>
-        <p:cNvPr id="69" name="Shape 69"/>
+        <p:cNvPr id="1" name="Shape 69"/>
         <p:cNvGrpSpPr/>
         <p:nvPr/>
       </p:nvGrpSpPr>
@@ -729,19 +859,26 @@
       <p:sp>
         <p:nvSpPr>
           <p:cNvPr id="70" name="Shape 70"/>
-          <p:cNvSpPr/>
+          <p:cNvSpPr>
+            <a:spLocks noGrp="1" noRot="1" noChangeAspect="1"/>
+          </p:cNvSpPr>
           <p:nvPr>
-            <p:ph idx="2" type="sldImg"/>
+            <p:ph type="sldImg" idx="2"/>
           </p:nvPr>
         </p:nvSpPr>
         <p:spPr>
           <a:xfrm>
-            <a:off x="381300" y="685800"/>
+            <a:off x="381000" y="685800"/>
             <a:ext cx="6096000" cy="3429000"/>
           </a:xfrm>
           <a:custGeom>
+            <a:avLst/>
+            <a:gdLst/>
+            <a:ahLst/>
+            <a:cxnLst/>
+            <a:rect l="0" t="0" r="0" b="0"/>
             <a:pathLst>
-              <a:path extrusionOk="0" h="120000" w="120000">
+              <a:path w="120000" h="120000" extrusionOk="0">
                 <a:moveTo>
                   <a:pt x="0" y="0"/>
                 </a:moveTo>
@@ -763,9 +900,11 @@
       <p:sp>
         <p:nvSpPr>
           <p:cNvPr id="71" name="Shape 71"/>
-          <p:cNvSpPr txBox="1"/>
+          <p:cNvSpPr txBox="1">
+            <a:spLocks noGrp="1"/>
+          </p:cNvSpPr>
           <p:nvPr>
-            <p:ph idx="1" type="body"/>
+            <p:ph type="body" idx="1"/>
           </p:nvPr>
         </p:nvSpPr>
         <p:spPr>
@@ -778,12 +917,12 @@
           </a:prstGeom>
         </p:spPr>
         <p:txBody>
-          <a:bodyPr anchorCtr="0" anchor="t" bIns="91425" lIns="91425" spcFirstLastPara="1" rIns="91425" wrap="square" tIns="91425">
+          <a:bodyPr spcFirstLastPara="1" wrap="square" lIns="91425" tIns="91425" rIns="91425" bIns="91425" anchor="t" anchorCtr="0">
             <a:noAutofit/>
           </a:bodyPr>
           <a:lstStyle/>
           <a:p>
-            <a:pPr indent="0" lvl="0" marL="0">
+            <a:pPr marL="0" lvl="0" indent="0">
               <a:spcBef>
                 <a:spcPts val="0"/>
               </a:spcBef>
@@ -792,9 +931,6 @@
               </a:spcAft>
               <a:buNone/>
             </a:pPr>
-            <a:r>
-              <a:t/>
-            </a:r>
             <a:endParaRPr/>
           </a:p>
         </p:txBody>
@@ -808,11 +944,11 @@
 </file>
 
 <file path=ppt/notesSlides/notesSlide5.xml><?xml version="1.0" encoding="utf-8"?>
-<p:notes xmlns:a="http://schemas.openxmlformats.org/drawingml/2006/main" xmlns:r="http://schemas.openxmlformats.org/officeDocument/2006/relationships" xmlns:mc="http://schemas.openxmlformats.org/markup-compatibility/2006" xmlns:mv="urn:schemas-microsoft-com:mac:vml" xmlns:p="http://schemas.openxmlformats.org/presentationml/2006/main" xmlns:c="http://schemas.openxmlformats.org/drawingml/2006/chart" xmlns:dgm="http://schemas.openxmlformats.org/drawingml/2006/diagram" xmlns:o="urn:schemas-microsoft-com:office:office" xmlns:v="urn:schemas-microsoft-com:vml" xmlns:pvml="urn:schemas-microsoft-com:office:powerpoint" xmlns:com="http://schemas.openxmlformats.org/drawingml/2006/compatibility" xmlns:p14="http://schemas.microsoft.com/office/powerpoint/2010/main" xmlns:p15="http://schemas.microsoft.com/office/powerpoint/2012/main" showMasterPhAnim="0" showMasterSp="0">
+<p:notes xmlns:a="http://schemas.openxmlformats.org/drawingml/2006/main" xmlns:r="http://schemas.openxmlformats.org/officeDocument/2006/relationships" xmlns:p="http://schemas.openxmlformats.org/presentationml/2006/main" showMasterSp="0" showMasterPhAnim="0">
   <p:cSld>
     <p:spTree>
       <p:nvGrpSpPr>
-        <p:cNvPr id="75" name="Shape 75"/>
+        <p:cNvPr id="1" name="Shape 75"/>
         <p:cNvGrpSpPr/>
         <p:nvPr/>
       </p:nvGrpSpPr>
@@ -827,19 +963,26 @@
       <p:sp>
         <p:nvSpPr>
           <p:cNvPr id="76" name="Shape 76"/>
-          <p:cNvSpPr/>
+          <p:cNvSpPr>
+            <a:spLocks noGrp="1" noRot="1" noChangeAspect="1"/>
+          </p:cNvSpPr>
           <p:nvPr>
-            <p:ph idx="2" type="sldImg"/>
+            <p:ph type="sldImg" idx="2"/>
           </p:nvPr>
         </p:nvSpPr>
         <p:spPr>
           <a:xfrm>
-            <a:off x="381300" y="685800"/>
+            <a:off x="381000" y="685800"/>
             <a:ext cx="6096000" cy="3429000"/>
           </a:xfrm>
           <a:custGeom>
+            <a:avLst/>
+            <a:gdLst/>
+            <a:ahLst/>
+            <a:cxnLst/>
+            <a:rect l="0" t="0" r="0" b="0"/>
             <a:pathLst>
-              <a:path extrusionOk="0" h="120000" w="120000">
+              <a:path w="120000" h="120000" extrusionOk="0">
                 <a:moveTo>
                   <a:pt x="0" y="0"/>
                 </a:moveTo>
@@ -861,9 +1004,11 @@
       <p:sp>
         <p:nvSpPr>
           <p:cNvPr id="77" name="Shape 77"/>
-          <p:cNvSpPr txBox="1"/>
+          <p:cNvSpPr txBox="1">
+            <a:spLocks noGrp="1"/>
+          </p:cNvSpPr>
           <p:nvPr>
-            <p:ph idx="1" type="body"/>
+            <p:ph type="body" idx="1"/>
           </p:nvPr>
         </p:nvSpPr>
         <p:spPr>
@@ -876,12 +1021,12 @@
           </a:prstGeom>
         </p:spPr>
         <p:txBody>
-          <a:bodyPr anchorCtr="0" anchor="t" bIns="91425" lIns="91425" spcFirstLastPara="1" rIns="91425" wrap="square" tIns="91425">
+          <a:bodyPr spcFirstLastPara="1" wrap="square" lIns="91425" tIns="91425" rIns="91425" bIns="91425" anchor="t" anchorCtr="0">
             <a:noAutofit/>
           </a:bodyPr>
           <a:lstStyle/>
           <a:p>
-            <a:pPr indent="0" lvl="0" marL="0">
+            <a:pPr marL="0" lvl="0" indent="0">
               <a:spcBef>
                 <a:spcPts val="0"/>
               </a:spcBef>
@@ -890,9 +1035,6 @@
               </a:spcAft>
               <a:buNone/>
             </a:pPr>
-            <a:r>
-              <a:t/>
-            </a:r>
             <a:endParaRPr/>
           </a:p>
         </p:txBody>
@@ -906,11 +1048,11 @@
 </file>
 
 <file path=ppt/slideLayouts/slideLayout1.xml><?xml version="1.0" encoding="utf-8"?>
-<p:sldLayout xmlns:a="http://schemas.openxmlformats.org/drawingml/2006/main" xmlns:r="http://schemas.openxmlformats.org/officeDocument/2006/relationships" xmlns:mc="http://schemas.openxmlformats.org/markup-compatibility/2006" xmlns:mv="urn:schemas-microsoft-com:mac:vml" xmlns:p="http://schemas.openxmlformats.org/presentationml/2006/main" xmlns:c="http://schemas.openxmlformats.org/drawingml/2006/chart" xmlns:dgm="http://schemas.openxmlformats.org/drawingml/2006/diagram" xmlns:o="urn:schemas-microsoft-com:office:office" xmlns:v="urn:schemas-microsoft-com:vml" xmlns:pvml="urn:schemas-microsoft-com:office:powerpoint" xmlns:com="http://schemas.openxmlformats.org/drawingml/2006/compatibility" xmlns:p14="http://schemas.microsoft.com/office/powerpoint/2010/main" xmlns:p15="http://schemas.microsoft.com/office/powerpoint/2012/main" type="title">
+<p:sldLayout xmlns:a="http://schemas.openxmlformats.org/drawingml/2006/main" xmlns:r="http://schemas.openxmlformats.org/officeDocument/2006/relationships" xmlns:p="http://schemas.openxmlformats.org/presentationml/2006/main" type="title">
   <p:cSld name="Title slide">
     <p:spTree>
       <p:nvGrpSpPr>
-        <p:cNvPr id="9" name="Shape 9"/>
+        <p:cNvPr id="1" name="Shape 9"/>
         <p:cNvGrpSpPr/>
         <p:nvPr/>
       </p:nvGrpSpPr>
@@ -925,7 +1067,9 @@
       <p:sp>
         <p:nvSpPr>
           <p:cNvPr id="10" name="Shape 10"/>
-          <p:cNvSpPr txBox="1"/>
+          <p:cNvSpPr txBox="1">
+            <a:spLocks noGrp="1"/>
+          </p:cNvSpPr>
           <p:nvPr>
             <p:ph type="ctrTitle"/>
           </p:nvPr>
@@ -940,7 +1084,7 @@
           </a:prstGeom>
         </p:spPr>
         <p:txBody>
-          <a:bodyPr anchorCtr="0" anchor="b" bIns="91425" lIns="91425" spcFirstLastPara="1" rIns="91425" wrap="square" tIns="91425"/>
+          <a:bodyPr spcFirstLastPara="1" wrap="square" lIns="91425" tIns="91425" rIns="91425" bIns="91425" anchor="b" anchorCtr="0"/>
           <a:lstStyle>
             <a:lvl1pPr lvl="0" algn="ctr">
               <a:spcBef>
@@ -1042,15 +1186,19 @@
               <a:defRPr sz="5200"/>
             </a:lvl9pPr>
           </a:lstStyle>
-          <a:p/>
+          <a:p>
+            <a:endParaRPr/>
+          </a:p>
         </p:txBody>
       </p:sp>
       <p:sp>
         <p:nvSpPr>
           <p:cNvPr id="11" name="Shape 11"/>
-          <p:cNvSpPr txBox="1"/>
+          <p:cNvSpPr txBox="1">
+            <a:spLocks noGrp="1"/>
+          </p:cNvSpPr>
           <p:nvPr>
-            <p:ph idx="1" type="subTitle"/>
+            <p:ph type="subTitle" idx="1"/>
           </p:nvPr>
         </p:nvSpPr>
         <p:spPr>
@@ -1063,7 +1211,7 @@
           </a:prstGeom>
         </p:spPr>
         <p:txBody>
-          <a:bodyPr anchorCtr="0" anchor="t" bIns="91425" lIns="91425" spcFirstLastPara="1" rIns="91425" wrap="square" tIns="91425"/>
+          <a:bodyPr spcFirstLastPara="1" wrap="square" lIns="91425" tIns="91425" rIns="91425" bIns="91425" anchor="t" anchorCtr="0"/>
           <a:lstStyle>
             <a:lvl1pPr lvl="0" algn="ctr">
               <a:lnSpc>
@@ -1192,15 +1340,19 @@
               <a:defRPr sz="2800"/>
             </a:lvl9pPr>
           </a:lstStyle>
-          <a:p/>
+          <a:p>
+            <a:endParaRPr/>
+          </a:p>
         </p:txBody>
       </p:sp>
       <p:sp>
         <p:nvSpPr>
           <p:cNvPr id="12" name="Shape 12"/>
-          <p:cNvSpPr txBox="1"/>
+          <p:cNvSpPr txBox="1">
+            <a:spLocks noGrp="1"/>
+          </p:cNvSpPr>
           <p:nvPr>
-            <p:ph idx="12" type="sldNum"/>
+            <p:ph type="sldNum" idx="12"/>
           </p:nvPr>
         </p:nvSpPr>
         <p:spPr>
@@ -1213,12 +1365,12 @@
           </a:prstGeom>
         </p:spPr>
         <p:txBody>
-          <a:bodyPr anchorCtr="0" anchor="ctr" bIns="91425" lIns="91425" spcFirstLastPara="1" rIns="91425" wrap="square" tIns="91425">
+          <a:bodyPr spcFirstLastPara="1" wrap="square" lIns="91425" tIns="91425" rIns="91425" bIns="91425" anchor="ctr" anchorCtr="0">
             <a:noAutofit/>
           </a:bodyPr>
           <a:lstStyle/>
           <a:p>
-            <a:pPr indent="0" lvl="0" marL="0">
+            <a:pPr marL="0" lvl="0" indent="0">
               <a:spcBef>
                 <a:spcPts val="0"/>
               </a:spcBef>
@@ -1244,11 +1396,11 @@
 </file>
 
 <file path=ppt/slideLayouts/slideLayout10.xml><?xml version="1.0" encoding="utf-8"?>
-<p:sldLayout xmlns:a="http://schemas.openxmlformats.org/drawingml/2006/main" xmlns:r="http://schemas.openxmlformats.org/officeDocument/2006/relationships" xmlns:mc="http://schemas.openxmlformats.org/markup-compatibility/2006" xmlns:mv="urn:schemas-microsoft-com:mac:vml" xmlns:p="http://schemas.openxmlformats.org/presentationml/2006/main" xmlns:c="http://schemas.openxmlformats.org/drawingml/2006/chart" xmlns:dgm="http://schemas.openxmlformats.org/drawingml/2006/diagram" xmlns:o="urn:schemas-microsoft-com:office:office" xmlns:v="urn:schemas-microsoft-com:vml" xmlns:pvml="urn:schemas-microsoft-com:office:powerpoint" xmlns:com="http://schemas.openxmlformats.org/drawingml/2006/compatibility" xmlns:p14="http://schemas.microsoft.com/office/powerpoint/2010/main" xmlns:p15="http://schemas.microsoft.com/office/powerpoint/2012/main">
+<p:sldLayout xmlns:a="http://schemas.openxmlformats.org/drawingml/2006/main" xmlns:r="http://schemas.openxmlformats.org/officeDocument/2006/relationships" xmlns:p="http://schemas.openxmlformats.org/presentationml/2006/main">
   <p:cSld name="Big number">
     <p:spTree>
       <p:nvGrpSpPr>
-        <p:cNvPr id="44" name="Shape 44"/>
+        <p:cNvPr id="1" name="Shape 44"/>
         <p:cNvGrpSpPr/>
         <p:nvPr/>
       </p:nvGrpSpPr>
@@ -1263,7 +1415,9 @@
       <p:sp>
         <p:nvSpPr>
           <p:cNvPr id="45" name="Shape 45"/>
-          <p:cNvSpPr txBox="1"/>
+          <p:cNvSpPr txBox="1">
+            <a:spLocks noGrp="1"/>
+          </p:cNvSpPr>
           <p:nvPr>
             <p:ph type="title"/>
           </p:nvPr>
@@ -1278,7 +1432,7 @@
           </a:prstGeom>
         </p:spPr>
         <p:txBody>
-          <a:bodyPr anchorCtr="0" anchor="b" bIns="91425" lIns="91425" spcFirstLastPara="1" rIns="91425" wrap="square" tIns="91425"/>
+          <a:bodyPr spcFirstLastPara="1" wrap="square" lIns="91425" tIns="91425" rIns="91425" bIns="91425" anchor="b" anchorCtr="0"/>
           <a:lstStyle>
             <a:lvl1pPr lvl="0" algn="ctr">
               <a:spcBef>
@@ -1380,15 +1534,19 @@
               <a:defRPr sz="12000"/>
             </a:lvl9pPr>
           </a:lstStyle>
-          <a:p/>
+          <a:p>
+            <a:endParaRPr/>
+          </a:p>
         </p:txBody>
       </p:sp>
       <p:sp>
         <p:nvSpPr>
           <p:cNvPr id="46" name="Shape 46"/>
-          <p:cNvSpPr txBox="1"/>
+          <p:cNvSpPr txBox="1">
+            <a:spLocks noGrp="1"/>
+          </p:cNvSpPr>
           <p:nvPr>
-            <p:ph idx="1" type="body"/>
+            <p:ph type="body" idx="1"/>
           </p:nvPr>
         </p:nvSpPr>
         <p:spPr>
@@ -1401,9 +1559,9 @@
           </a:prstGeom>
         </p:spPr>
         <p:txBody>
-          <a:bodyPr anchorCtr="0" anchor="t" bIns="91425" lIns="91425" spcFirstLastPara="1" rIns="91425" wrap="square" tIns="91425"/>
+          <a:bodyPr spcFirstLastPara="1" wrap="square" lIns="91425" tIns="91425" rIns="91425" bIns="91425" anchor="t" anchorCtr="0"/>
           <a:lstStyle>
-            <a:lvl1pPr indent="-342900" lvl="0" marL="457200" algn="ctr">
+            <a:lvl1pPr marL="457200" lvl="0" indent="-342900" algn="ctr">
               <a:spcBef>
                 <a:spcPts val="0"/>
               </a:spcBef>
@@ -1414,7 +1572,7 @@
               <a:buChar char="●"/>
               <a:defRPr/>
             </a:lvl1pPr>
-            <a:lvl2pPr indent="-317500" lvl="1" marL="914400" algn="ctr">
+            <a:lvl2pPr marL="914400" lvl="1" indent="-317500" algn="ctr">
               <a:spcBef>
                 <a:spcPts val="1600"/>
               </a:spcBef>
@@ -1425,7 +1583,7 @@
               <a:buChar char="○"/>
               <a:defRPr/>
             </a:lvl2pPr>
-            <a:lvl3pPr indent="-317500" lvl="2" marL="1371600" algn="ctr">
+            <a:lvl3pPr marL="1371600" lvl="2" indent="-317500" algn="ctr">
               <a:spcBef>
                 <a:spcPts val="1600"/>
               </a:spcBef>
@@ -1436,7 +1594,7 @@
               <a:buChar char="■"/>
               <a:defRPr/>
             </a:lvl3pPr>
-            <a:lvl4pPr indent="-317500" lvl="3" marL="1828800" algn="ctr">
+            <a:lvl4pPr marL="1828800" lvl="3" indent="-317500" algn="ctr">
               <a:spcBef>
                 <a:spcPts val="1600"/>
               </a:spcBef>
@@ -1447,7 +1605,7 @@
               <a:buChar char="●"/>
               <a:defRPr/>
             </a:lvl4pPr>
-            <a:lvl5pPr indent="-317500" lvl="4" marL="2286000" algn="ctr">
+            <a:lvl5pPr marL="2286000" lvl="4" indent="-317500" algn="ctr">
               <a:spcBef>
                 <a:spcPts val="1600"/>
               </a:spcBef>
@@ -1458,7 +1616,7 @@
               <a:buChar char="○"/>
               <a:defRPr/>
             </a:lvl5pPr>
-            <a:lvl6pPr indent="-317500" lvl="5" marL="2743200" algn="ctr">
+            <a:lvl6pPr marL="2743200" lvl="5" indent="-317500" algn="ctr">
               <a:spcBef>
                 <a:spcPts val="1600"/>
               </a:spcBef>
@@ -1469,7 +1627,7 @@
               <a:buChar char="■"/>
               <a:defRPr/>
             </a:lvl6pPr>
-            <a:lvl7pPr indent="-317500" lvl="6" marL="3200400" algn="ctr">
+            <a:lvl7pPr marL="3200400" lvl="6" indent="-317500" algn="ctr">
               <a:spcBef>
                 <a:spcPts val="1600"/>
               </a:spcBef>
@@ -1480,7 +1638,7 @@
               <a:buChar char="●"/>
               <a:defRPr/>
             </a:lvl7pPr>
-            <a:lvl8pPr indent="-317500" lvl="7" marL="3657600" algn="ctr">
+            <a:lvl8pPr marL="3657600" lvl="7" indent="-317500" algn="ctr">
               <a:spcBef>
                 <a:spcPts val="1600"/>
               </a:spcBef>
@@ -1491,7 +1649,7 @@
               <a:buChar char="○"/>
               <a:defRPr/>
             </a:lvl8pPr>
-            <a:lvl9pPr indent="-317500" lvl="8" marL="4114800" algn="ctr">
+            <a:lvl9pPr marL="4114800" lvl="8" indent="-317500" algn="ctr">
               <a:spcBef>
                 <a:spcPts val="1600"/>
               </a:spcBef>
@@ -1503,15 +1661,19 @@
               <a:defRPr/>
             </a:lvl9pPr>
           </a:lstStyle>
-          <a:p/>
+          <a:p>
+            <a:endParaRPr/>
+          </a:p>
         </p:txBody>
       </p:sp>
       <p:sp>
         <p:nvSpPr>
           <p:cNvPr id="47" name="Shape 47"/>
-          <p:cNvSpPr txBox="1"/>
+          <p:cNvSpPr txBox="1">
+            <a:spLocks noGrp="1"/>
+          </p:cNvSpPr>
           <p:nvPr>
-            <p:ph idx="12" type="sldNum"/>
+            <p:ph type="sldNum" idx="12"/>
           </p:nvPr>
         </p:nvSpPr>
         <p:spPr>
@@ -1524,12 +1686,12 @@
           </a:prstGeom>
         </p:spPr>
         <p:txBody>
-          <a:bodyPr anchorCtr="0" anchor="ctr" bIns="91425" lIns="91425" spcFirstLastPara="1" rIns="91425" wrap="square" tIns="91425">
+          <a:bodyPr spcFirstLastPara="1" wrap="square" lIns="91425" tIns="91425" rIns="91425" bIns="91425" anchor="ctr" anchorCtr="0">
             <a:noAutofit/>
           </a:bodyPr>
           <a:lstStyle/>
           <a:p>
-            <a:pPr indent="0" lvl="0" marL="0">
+            <a:pPr marL="0" lvl="0" indent="0">
               <a:spcBef>
                 <a:spcPts val="0"/>
               </a:spcBef>
@@ -1555,11 +1717,11 @@
 </file>
 
 <file path=ppt/slideLayouts/slideLayout11.xml><?xml version="1.0" encoding="utf-8"?>
-<p:sldLayout xmlns:a="http://schemas.openxmlformats.org/drawingml/2006/main" xmlns:r="http://schemas.openxmlformats.org/officeDocument/2006/relationships" xmlns:mc="http://schemas.openxmlformats.org/markup-compatibility/2006" xmlns:mv="urn:schemas-microsoft-com:mac:vml" xmlns:p="http://schemas.openxmlformats.org/presentationml/2006/main" xmlns:c="http://schemas.openxmlformats.org/drawingml/2006/chart" xmlns:dgm="http://schemas.openxmlformats.org/drawingml/2006/diagram" xmlns:o="urn:schemas-microsoft-com:office:office" xmlns:v="urn:schemas-microsoft-com:vml" xmlns:pvml="urn:schemas-microsoft-com:office:powerpoint" xmlns:com="http://schemas.openxmlformats.org/drawingml/2006/compatibility" xmlns:p14="http://schemas.microsoft.com/office/powerpoint/2010/main" xmlns:p15="http://schemas.microsoft.com/office/powerpoint/2012/main" type="blank">
+<p:sldLayout xmlns:a="http://schemas.openxmlformats.org/drawingml/2006/main" xmlns:r="http://schemas.openxmlformats.org/officeDocument/2006/relationships" xmlns:p="http://schemas.openxmlformats.org/presentationml/2006/main" type="blank">
   <p:cSld name="Blank">
     <p:spTree>
       <p:nvGrpSpPr>
-        <p:cNvPr id="48" name="Shape 48"/>
+        <p:cNvPr id="1" name="Shape 48"/>
         <p:cNvGrpSpPr/>
         <p:nvPr/>
       </p:nvGrpSpPr>
@@ -1574,9 +1736,11 @@
       <p:sp>
         <p:nvSpPr>
           <p:cNvPr id="49" name="Shape 49"/>
-          <p:cNvSpPr txBox="1"/>
+          <p:cNvSpPr txBox="1">
+            <a:spLocks noGrp="1"/>
+          </p:cNvSpPr>
           <p:nvPr>
-            <p:ph idx="12" type="sldNum"/>
+            <p:ph type="sldNum" idx="12"/>
           </p:nvPr>
         </p:nvSpPr>
         <p:spPr>
@@ -1589,12 +1753,12 @@
           </a:prstGeom>
         </p:spPr>
         <p:txBody>
-          <a:bodyPr anchorCtr="0" anchor="ctr" bIns="91425" lIns="91425" spcFirstLastPara="1" rIns="91425" wrap="square" tIns="91425">
+          <a:bodyPr spcFirstLastPara="1" wrap="square" lIns="91425" tIns="91425" rIns="91425" bIns="91425" anchor="ctr" anchorCtr="0">
             <a:noAutofit/>
           </a:bodyPr>
           <a:lstStyle/>
           <a:p>
-            <a:pPr indent="0" lvl="0" marL="0">
+            <a:pPr marL="0" lvl="0" indent="0">
               <a:spcBef>
                 <a:spcPts val="0"/>
               </a:spcBef>
@@ -1620,11 +1784,11 @@
 </file>
 
 <file path=ppt/slideLayouts/slideLayout2.xml><?xml version="1.0" encoding="utf-8"?>
-<p:sldLayout xmlns:a="http://schemas.openxmlformats.org/drawingml/2006/main" xmlns:r="http://schemas.openxmlformats.org/officeDocument/2006/relationships" xmlns:mc="http://schemas.openxmlformats.org/markup-compatibility/2006" xmlns:mv="urn:schemas-microsoft-com:mac:vml" xmlns:p="http://schemas.openxmlformats.org/presentationml/2006/main" xmlns:c="http://schemas.openxmlformats.org/drawingml/2006/chart" xmlns:dgm="http://schemas.openxmlformats.org/drawingml/2006/diagram" xmlns:o="urn:schemas-microsoft-com:office:office" xmlns:v="urn:schemas-microsoft-com:vml" xmlns:pvml="urn:schemas-microsoft-com:office:powerpoint" xmlns:com="http://schemas.openxmlformats.org/drawingml/2006/compatibility" xmlns:p14="http://schemas.microsoft.com/office/powerpoint/2010/main" xmlns:p15="http://schemas.microsoft.com/office/powerpoint/2012/main" type="secHead">
+<p:sldLayout xmlns:a="http://schemas.openxmlformats.org/drawingml/2006/main" xmlns:r="http://schemas.openxmlformats.org/officeDocument/2006/relationships" xmlns:p="http://schemas.openxmlformats.org/presentationml/2006/main" type="secHead">
   <p:cSld name="Section header">
     <p:spTree>
       <p:nvGrpSpPr>
-        <p:cNvPr id="13" name="Shape 13"/>
+        <p:cNvPr id="1" name="Shape 13"/>
         <p:cNvGrpSpPr/>
         <p:nvPr/>
       </p:nvGrpSpPr>
@@ -1639,7 +1803,9 @@
       <p:sp>
         <p:nvSpPr>
           <p:cNvPr id="14" name="Shape 14"/>
-          <p:cNvSpPr txBox="1"/>
+          <p:cNvSpPr txBox="1">
+            <a:spLocks noGrp="1"/>
+          </p:cNvSpPr>
           <p:nvPr>
             <p:ph type="title"/>
           </p:nvPr>
@@ -1654,7 +1820,7 @@
           </a:prstGeom>
         </p:spPr>
         <p:txBody>
-          <a:bodyPr anchorCtr="0" anchor="ctr" bIns="91425" lIns="91425" spcFirstLastPara="1" rIns="91425" wrap="square" tIns="91425"/>
+          <a:bodyPr spcFirstLastPara="1" wrap="square" lIns="91425" tIns="91425" rIns="91425" bIns="91425" anchor="ctr" anchorCtr="0"/>
           <a:lstStyle>
             <a:lvl1pPr lvl="0" algn="ctr">
               <a:spcBef>
@@ -1756,15 +1922,19 @@
               <a:defRPr sz="3600"/>
             </a:lvl9pPr>
           </a:lstStyle>
-          <a:p/>
+          <a:p>
+            <a:endParaRPr/>
+          </a:p>
         </p:txBody>
       </p:sp>
       <p:sp>
         <p:nvSpPr>
           <p:cNvPr id="15" name="Shape 15"/>
-          <p:cNvSpPr txBox="1"/>
+          <p:cNvSpPr txBox="1">
+            <a:spLocks noGrp="1"/>
+          </p:cNvSpPr>
           <p:nvPr>
-            <p:ph idx="12" type="sldNum"/>
+            <p:ph type="sldNum" idx="12"/>
           </p:nvPr>
         </p:nvSpPr>
         <p:spPr>
@@ -1777,12 +1947,12 @@
           </a:prstGeom>
         </p:spPr>
         <p:txBody>
-          <a:bodyPr anchorCtr="0" anchor="ctr" bIns="91425" lIns="91425" spcFirstLastPara="1" rIns="91425" wrap="square" tIns="91425">
+          <a:bodyPr spcFirstLastPara="1" wrap="square" lIns="91425" tIns="91425" rIns="91425" bIns="91425" anchor="ctr" anchorCtr="0">
             <a:noAutofit/>
           </a:bodyPr>
           <a:lstStyle/>
           <a:p>
-            <a:pPr indent="0" lvl="0" marL="0">
+            <a:pPr marL="0" lvl="0" indent="0">
               <a:spcBef>
                 <a:spcPts val="0"/>
               </a:spcBef>
@@ -1808,11 +1978,11 @@
 </file>
 
 <file path=ppt/slideLayouts/slideLayout3.xml><?xml version="1.0" encoding="utf-8"?>
-<p:sldLayout xmlns:a="http://schemas.openxmlformats.org/drawingml/2006/main" xmlns:r="http://schemas.openxmlformats.org/officeDocument/2006/relationships" xmlns:mc="http://schemas.openxmlformats.org/markup-compatibility/2006" xmlns:mv="urn:schemas-microsoft-com:mac:vml" xmlns:p="http://schemas.openxmlformats.org/presentationml/2006/main" xmlns:c="http://schemas.openxmlformats.org/drawingml/2006/chart" xmlns:dgm="http://schemas.openxmlformats.org/drawingml/2006/diagram" xmlns:o="urn:schemas-microsoft-com:office:office" xmlns:v="urn:schemas-microsoft-com:vml" xmlns:pvml="urn:schemas-microsoft-com:office:powerpoint" xmlns:com="http://schemas.openxmlformats.org/drawingml/2006/compatibility" xmlns:p14="http://schemas.microsoft.com/office/powerpoint/2010/main" xmlns:p15="http://schemas.microsoft.com/office/powerpoint/2012/main" type="tx">
+<p:sldLayout xmlns:a="http://schemas.openxmlformats.org/drawingml/2006/main" xmlns:r="http://schemas.openxmlformats.org/officeDocument/2006/relationships" xmlns:p="http://schemas.openxmlformats.org/presentationml/2006/main" type="tx">
   <p:cSld name="Title and body">
     <p:spTree>
       <p:nvGrpSpPr>
-        <p:cNvPr id="16" name="Shape 16"/>
+        <p:cNvPr id="1" name="Shape 16"/>
         <p:cNvGrpSpPr/>
         <p:nvPr/>
       </p:nvGrpSpPr>
@@ -1827,7 +1997,9 @@
       <p:sp>
         <p:nvSpPr>
           <p:cNvPr id="17" name="Shape 17"/>
-          <p:cNvSpPr txBox="1"/>
+          <p:cNvSpPr txBox="1">
+            <a:spLocks noGrp="1"/>
+          </p:cNvSpPr>
           <p:nvPr>
             <p:ph type="title"/>
           </p:nvPr>
@@ -1842,7 +2014,7 @@
           </a:prstGeom>
         </p:spPr>
         <p:txBody>
-          <a:bodyPr anchorCtr="0" anchor="t" bIns="91425" lIns="91425" spcFirstLastPara="1" rIns="91425" wrap="square" tIns="91425"/>
+          <a:bodyPr spcFirstLastPara="1" wrap="square" lIns="91425" tIns="91425" rIns="91425" bIns="91425" anchor="t" anchorCtr="0"/>
           <a:lstStyle>
             <a:lvl1pPr lvl="0">
               <a:spcBef>
@@ -1944,15 +2116,19 @@
               <a:defRPr/>
             </a:lvl9pPr>
           </a:lstStyle>
-          <a:p/>
+          <a:p>
+            <a:endParaRPr/>
+          </a:p>
         </p:txBody>
       </p:sp>
       <p:sp>
         <p:nvSpPr>
           <p:cNvPr id="18" name="Shape 18"/>
-          <p:cNvSpPr txBox="1"/>
+          <p:cNvSpPr txBox="1">
+            <a:spLocks noGrp="1"/>
+          </p:cNvSpPr>
           <p:nvPr>
-            <p:ph idx="1" type="body"/>
+            <p:ph type="body" idx="1"/>
           </p:nvPr>
         </p:nvSpPr>
         <p:spPr>
@@ -1965,9 +2141,9 @@
           </a:prstGeom>
         </p:spPr>
         <p:txBody>
-          <a:bodyPr anchorCtr="0" anchor="t" bIns="91425" lIns="91425" spcFirstLastPara="1" rIns="91425" wrap="square" tIns="91425"/>
+          <a:bodyPr spcFirstLastPara="1" wrap="square" lIns="91425" tIns="91425" rIns="91425" bIns="91425" anchor="t" anchorCtr="0"/>
           <a:lstStyle>
-            <a:lvl1pPr indent="-342900" lvl="0" marL="457200">
+            <a:lvl1pPr marL="457200" lvl="0" indent="-342900">
               <a:spcBef>
                 <a:spcPts val="0"/>
               </a:spcBef>
@@ -1978,7 +2154,7 @@
               <a:buChar char="●"/>
               <a:defRPr/>
             </a:lvl1pPr>
-            <a:lvl2pPr indent="-317500" lvl="1" marL="914400">
+            <a:lvl2pPr marL="914400" lvl="1" indent="-317500">
               <a:spcBef>
                 <a:spcPts val="1600"/>
               </a:spcBef>
@@ -1989,7 +2165,7 @@
               <a:buChar char="○"/>
               <a:defRPr/>
             </a:lvl2pPr>
-            <a:lvl3pPr indent="-317500" lvl="2" marL="1371600">
+            <a:lvl3pPr marL="1371600" lvl="2" indent="-317500">
               <a:spcBef>
                 <a:spcPts val="1600"/>
               </a:spcBef>
@@ -2000,7 +2176,7 @@
               <a:buChar char="■"/>
               <a:defRPr/>
             </a:lvl3pPr>
-            <a:lvl4pPr indent="-317500" lvl="3" marL="1828800">
+            <a:lvl4pPr marL="1828800" lvl="3" indent="-317500">
               <a:spcBef>
                 <a:spcPts val="1600"/>
               </a:spcBef>
@@ -2011,7 +2187,7 @@
               <a:buChar char="●"/>
               <a:defRPr/>
             </a:lvl4pPr>
-            <a:lvl5pPr indent="-317500" lvl="4" marL="2286000">
+            <a:lvl5pPr marL="2286000" lvl="4" indent="-317500">
               <a:spcBef>
                 <a:spcPts val="1600"/>
               </a:spcBef>
@@ -2022,7 +2198,7 @@
               <a:buChar char="○"/>
               <a:defRPr/>
             </a:lvl5pPr>
-            <a:lvl6pPr indent="-317500" lvl="5" marL="2743200">
+            <a:lvl6pPr marL="2743200" lvl="5" indent="-317500">
               <a:spcBef>
                 <a:spcPts val="1600"/>
               </a:spcBef>
@@ -2033,7 +2209,7 @@
               <a:buChar char="■"/>
               <a:defRPr/>
             </a:lvl6pPr>
-            <a:lvl7pPr indent="-317500" lvl="6" marL="3200400">
+            <a:lvl7pPr marL="3200400" lvl="6" indent="-317500">
               <a:spcBef>
                 <a:spcPts val="1600"/>
               </a:spcBef>
@@ -2044,7 +2220,7 @@
               <a:buChar char="●"/>
               <a:defRPr/>
             </a:lvl7pPr>
-            <a:lvl8pPr indent="-317500" lvl="7" marL="3657600">
+            <a:lvl8pPr marL="3657600" lvl="7" indent="-317500">
               <a:spcBef>
                 <a:spcPts val="1600"/>
               </a:spcBef>
@@ -2055,7 +2231,7 @@
               <a:buChar char="○"/>
               <a:defRPr/>
             </a:lvl8pPr>
-            <a:lvl9pPr indent="-317500" lvl="8" marL="4114800">
+            <a:lvl9pPr marL="4114800" lvl="8" indent="-317500">
               <a:spcBef>
                 <a:spcPts val="1600"/>
               </a:spcBef>
@@ -2067,15 +2243,19 @@
               <a:defRPr/>
             </a:lvl9pPr>
           </a:lstStyle>
-          <a:p/>
+          <a:p>
+            <a:endParaRPr/>
+          </a:p>
         </p:txBody>
       </p:sp>
       <p:sp>
         <p:nvSpPr>
           <p:cNvPr id="19" name="Shape 19"/>
-          <p:cNvSpPr txBox="1"/>
+          <p:cNvSpPr txBox="1">
+            <a:spLocks noGrp="1"/>
+          </p:cNvSpPr>
           <p:nvPr>
-            <p:ph idx="12" type="sldNum"/>
+            <p:ph type="sldNum" idx="12"/>
           </p:nvPr>
         </p:nvSpPr>
         <p:spPr>
@@ -2088,12 +2268,12 @@
           </a:prstGeom>
         </p:spPr>
         <p:txBody>
-          <a:bodyPr anchorCtr="0" anchor="ctr" bIns="91425" lIns="91425" spcFirstLastPara="1" rIns="91425" wrap="square" tIns="91425">
+          <a:bodyPr spcFirstLastPara="1" wrap="square" lIns="91425" tIns="91425" rIns="91425" bIns="91425" anchor="ctr" anchorCtr="0">
             <a:noAutofit/>
           </a:bodyPr>
           <a:lstStyle/>
           <a:p>
-            <a:pPr indent="0" lvl="0" marL="0">
+            <a:pPr marL="0" lvl="0" indent="0">
               <a:spcBef>
                 <a:spcPts val="0"/>
               </a:spcBef>
@@ -2119,11 +2299,11 @@
 </file>
 
 <file path=ppt/slideLayouts/slideLayout4.xml><?xml version="1.0" encoding="utf-8"?>
-<p:sldLayout xmlns:a="http://schemas.openxmlformats.org/drawingml/2006/main" xmlns:r="http://schemas.openxmlformats.org/officeDocument/2006/relationships" xmlns:mc="http://schemas.openxmlformats.org/markup-compatibility/2006" xmlns:mv="urn:schemas-microsoft-com:mac:vml" xmlns:p="http://schemas.openxmlformats.org/presentationml/2006/main" xmlns:c="http://schemas.openxmlformats.org/drawingml/2006/chart" xmlns:dgm="http://schemas.openxmlformats.org/drawingml/2006/diagram" xmlns:o="urn:schemas-microsoft-com:office:office" xmlns:v="urn:schemas-microsoft-com:vml" xmlns:pvml="urn:schemas-microsoft-com:office:powerpoint" xmlns:com="http://schemas.openxmlformats.org/drawingml/2006/compatibility" xmlns:p14="http://schemas.microsoft.com/office/powerpoint/2010/main" xmlns:p15="http://schemas.microsoft.com/office/powerpoint/2012/main" type="twoColTx">
+<p:sldLayout xmlns:a="http://schemas.openxmlformats.org/drawingml/2006/main" xmlns:r="http://schemas.openxmlformats.org/officeDocument/2006/relationships" xmlns:p="http://schemas.openxmlformats.org/presentationml/2006/main" type="twoColTx">
   <p:cSld name="Title and two columns">
     <p:spTree>
       <p:nvGrpSpPr>
-        <p:cNvPr id="20" name="Shape 20"/>
+        <p:cNvPr id="1" name="Shape 20"/>
         <p:cNvGrpSpPr/>
         <p:nvPr/>
       </p:nvGrpSpPr>
@@ -2138,7 +2318,9 @@
       <p:sp>
         <p:nvSpPr>
           <p:cNvPr id="21" name="Shape 21"/>
-          <p:cNvSpPr txBox="1"/>
+          <p:cNvSpPr txBox="1">
+            <a:spLocks noGrp="1"/>
+          </p:cNvSpPr>
           <p:nvPr>
             <p:ph type="title"/>
           </p:nvPr>
@@ -2153,7 +2335,7 @@
           </a:prstGeom>
         </p:spPr>
         <p:txBody>
-          <a:bodyPr anchorCtr="0" anchor="t" bIns="91425" lIns="91425" spcFirstLastPara="1" rIns="91425" wrap="square" tIns="91425"/>
+          <a:bodyPr spcFirstLastPara="1" wrap="square" lIns="91425" tIns="91425" rIns="91425" bIns="91425" anchor="t" anchorCtr="0"/>
           <a:lstStyle>
             <a:lvl1pPr lvl="0">
               <a:spcBef>
@@ -2255,15 +2437,19 @@
               <a:defRPr/>
             </a:lvl9pPr>
           </a:lstStyle>
-          <a:p/>
+          <a:p>
+            <a:endParaRPr/>
+          </a:p>
         </p:txBody>
       </p:sp>
       <p:sp>
         <p:nvSpPr>
           <p:cNvPr id="22" name="Shape 22"/>
-          <p:cNvSpPr txBox="1"/>
+          <p:cNvSpPr txBox="1">
+            <a:spLocks noGrp="1"/>
+          </p:cNvSpPr>
           <p:nvPr>
-            <p:ph idx="1" type="body"/>
+            <p:ph type="body" idx="1"/>
           </p:nvPr>
         </p:nvSpPr>
         <p:spPr>
@@ -2276,9 +2462,9 @@
           </a:prstGeom>
         </p:spPr>
         <p:txBody>
-          <a:bodyPr anchorCtr="0" anchor="t" bIns="91425" lIns="91425" spcFirstLastPara="1" rIns="91425" wrap="square" tIns="91425"/>
+          <a:bodyPr spcFirstLastPara="1" wrap="square" lIns="91425" tIns="91425" rIns="91425" bIns="91425" anchor="t" anchorCtr="0"/>
           <a:lstStyle>
-            <a:lvl1pPr indent="-317500" lvl="0" marL="457200">
+            <a:lvl1pPr marL="457200" lvl="0" indent="-317500">
               <a:spcBef>
                 <a:spcPts val="0"/>
               </a:spcBef>
@@ -2289,7 +2475,7 @@
               <a:buChar char="●"/>
               <a:defRPr sz="1400"/>
             </a:lvl1pPr>
-            <a:lvl2pPr indent="-304800" lvl="1" marL="914400">
+            <a:lvl2pPr marL="914400" lvl="1" indent="-304800">
               <a:spcBef>
                 <a:spcPts val="1600"/>
               </a:spcBef>
@@ -2300,7 +2486,7 @@
               <a:buChar char="○"/>
               <a:defRPr sz="1200"/>
             </a:lvl2pPr>
-            <a:lvl3pPr indent="-304800" lvl="2" marL="1371600">
+            <a:lvl3pPr marL="1371600" lvl="2" indent="-304800">
               <a:spcBef>
                 <a:spcPts val="1600"/>
               </a:spcBef>
@@ -2311,7 +2497,7 @@
               <a:buChar char="■"/>
               <a:defRPr sz="1200"/>
             </a:lvl3pPr>
-            <a:lvl4pPr indent="-304800" lvl="3" marL="1828800">
+            <a:lvl4pPr marL="1828800" lvl="3" indent="-304800">
               <a:spcBef>
                 <a:spcPts val="1600"/>
               </a:spcBef>
@@ -2322,7 +2508,7 @@
               <a:buChar char="●"/>
               <a:defRPr sz="1200"/>
             </a:lvl4pPr>
-            <a:lvl5pPr indent="-304800" lvl="4" marL="2286000">
+            <a:lvl5pPr marL="2286000" lvl="4" indent="-304800">
               <a:spcBef>
                 <a:spcPts val="1600"/>
               </a:spcBef>
@@ -2333,7 +2519,7 @@
               <a:buChar char="○"/>
               <a:defRPr sz="1200"/>
             </a:lvl5pPr>
-            <a:lvl6pPr indent="-304800" lvl="5" marL="2743200">
+            <a:lvl6pPr marL="2743200" lvl="5" indent="-304800">
               <a:spcBef>
                 <a:spcPts val="1600"/>
               </a:spcBef>
@@ -2344,7 +2530,7 @@
               <a:buChar char="■"/>
               <a:defRPr sz="1200"/>
             </a:lvl6pPr>
-            <a:lvl7pPr indent="-304800" lvl="6" marL="3200400">
+            <a:lvl7pPr marL="3200400" lvl="6" indent="-304800">
               <a:spcBef>
                 <a:spcPts val="1600"/>
               </a:spcBef>
@@ -2355,7 +2541,7 @@
               <a:buChar char="●"/>
               <a:defRPr sz="1200"/>
             </a:lvl7pPr>
-            <a:lvl8pPr indent="-304800" lvl="7" marL="3657600">
+            <a:lvl8pPr marL="3657600" lvl="7" indent="-304800">
               <a:spcBef>
                 <a:spcPts val="1600"/>
               </a:spcBef>
@@ -2366,7 +2552,7 @@
               <a:buChar char="○"/>
               <a:defRPr sz="1200"/>
             </a:lvl8pPr>
-            <a:lvl9pPr indent="-304800" lvl="8" marL="4114800">
+            <a:lvl9pPr marL="4114800" lvl="8" indent="-304800">
               <a:spcBef>
                 <a:spcPts val="1600"/>
               </a:spcBef>
@@ -2378,15 +2564,19 @@
               <a:defRPr sz="1200"/>
             </a:lvl9pPr>
           </a:lstStyle>
-          <a:p/>
+          <a:p>
+            <a:endParaRPr/>
+          </a:p>
         </p:txBody>
       </p:sp>
       <p:sp>
         <p:nvSpPr>
           <p:cNvPr id="23" name="Shape 23"/>
-          <p:cNvSpPr txBox="1"/>
+          <p:cNvSpPr txBox="1">
+            <a:spLocks noGrp="1"/>
+          </p:cNvSpPr>
           <p:nvPr>
-            <p:ph idx="2" type="body"/>
+            <p:ph type="body" idx="2"/>
           </p:nvPr>
         </p:nvSpPr>
         <p:spPr>
@@ -2399,9 +2589,9 @@
           </a:prstGeom>
         </p:spPr>
         <p:txBody>
-          <a:bodyPr anchorCtr="0" anchor="t" bIns="91425" lIns="91425" spcFirstLastPara="1" rIns="91425" wrap="square" tIns="91425"/>
+          <a:bodyPr spcFirstLastPara="1" wrap="square" lIns="91425" tIns="91425" rIns="91425" bIns="91425" anchor="t" anchorCtr="0"/>
           <a:lstStyle>
-            <a:lvl1pPr indent="-317500" lvl="0" marL="457200">
+            <a:lvl1pPr marL="457200" lvl="0" indent="-317500">
               <a:spcBef>
                 <a:spcPts val="0"/>
               </a:spcBef>
@@ -2412,7 +2602,7 @@
               <a:buChar char="●"/>
               <a:defRPr sz="1400"/>
             </a:lvl1pPr>
-            <a:lvl2pPr indent="-304800" lvl="1" marL="914400">
+            <a:lvl2pPr marL="914400" lvl="1" indent="-304800">
               <a:spcBef>
                 <a:spcPts val="1600"/>
               </a:spcBef>
@@ -2423,7 +2613,7 @@
               <a:buChar char="○"/>
               <a:defRPr sz="1200"/>
             </a:lvl2pPr>
-            <a:lvl3pPr indent="-304800" lvl="2" marL="1371600">
+            <a:lvl3pPr marL="1371600" lvl="2" indent="-304800">
               <a:spcBef>
                 <a:spcPts val="1600"/>
               </a:spcBef>
@@ -2434,7 +2624,7 @@
               <a:buChar char="■"/>
               <a:defRPr sz="1200"/>
             </a:lvl3pPr>
-            <a:lvl4pPr indent="-304800" lvl="3" marL="1828800">
+            <a:lvl4pPr marL="1828800" lvl="3" indent="-304800">
               <a:spcBef>
                 <a:spcPts val="1600"/>
               </a:spcBef>
@@ -2445,7 +2635,7 @@
               <a:buChar char="●"/>
               <a:defRPr sz="1200"/>
             </a:lvl4pPr>
-            <a:lvl5pPr indent="-304800" lvl="4" marL="2286000">
+            <a:lvl5pPr marL="2286000" lvl="4" indent="-304800">
               <a:spcBef>
                 <a:spcPts val="1600"/>
               </a:spcBef>
@@ -2456,7 +2646,7 @@
               <a:buChar char="○"/>
               <a:defRPr sz="1200"/>
             </a:lvl5pPr>
-            <a:lvl6pPr indent="-304800" lvl="5" marL="2743200">
+            <a:lvl6pPr marL="2743200" lvl="5" indent="-304800">
               <a:spcBef>
                 <a:spcPts val="1600"/>
               </a:spcBef>
@@ -2467,7 +2657,7 @@
               <a:buChar char="■"/>
               <a:defRPr sz="1200"/>
             </a:lvl6pPr>
-            <a:lvl7pPr indent="-304800" lvl="6" marL="3200400">
+            <a:lvl7pPr marL="3200400" lvl="6" indent="-304800">
               <a:spcBef>
                 <a:spcPts val="1600"/>
               </a:spcBef>
@@ -2478,7 +2668,7 @@
               <a:buChar char="●"/>
               <a:defRPr sz="1200"/>
             </a:lvl7pPr>
-            <a:lvl8pPr indent="-304800" lvl="7" marL="3657600">
+            <a:lvl8pPr marL="3657600" lvl="7" indent="-304800">
               <a:spcBef>
                 <a:spcPts val="1600"/>
               </a:spcBef>
@@ -2489,7 +2679,7 @@
               <a:buChar char="○"/>
               <a:defRPr sz="1200"/>
             </a:lvl8pPr>
-            <a:lvl9pPr indent="-304800" lvl="8" marL="4114800">
+            <a:lvl9pPr marL="4114800" lvl="8" indent="-304800">
               <a:spcBef>
                 <a:spcPts val="1600"/>
               </a:spcBef>
@@ -2501,15 +2691,19 @@
               <a:defRPr sz="1200"/>
             </a:lvl9pPr>
           </a:lstStyle>
-          <a:p/>
+          <a:p>
+            <a:endParaRPr/>
+          </a:p>
         </p:txBody>
       </p:sp>
       <p:sp>
         <p:nvSpPr>
           <p:cNvPr id="24" name="Shape 24"/>
-          <p:cNvSpPr txBox="1"/>
+          <p:cNvSpPr txBox="1">
+            <a:spLocks noGrp="1"/>
+          </p:cNvSpPr>
           <p:nvPr>
-            <p:ph idx="12" type="sldNum"/>
+            <p:ph type="sldNum" idx="12"/>
           </p:nvPr>
         </p:nvSpPr>
         <p:spPr>
@@ -2522,12 +2716,12 @@
           </a:prstGeom>
         </p:spPr>
         <p:txBody>
-          <a:bodyPr anchorCtr="0" anchor="ctr" bIns="91425" lIns="91425" spcFirstLastPara="1" rIns="91425" wrap="square" tIns="91425">
+          <a:bodyPr spcFirstLastPara="1" wrap="square" lIns="91425" tIns="91425" rIns="91425" bIns="91425" anchor="ctr" anchorCtr="0">
             <a:noAutofit/>
           </a:bodyPr>
           <a:lstStyle/>
           <a:p>
-            <a:pPr indent="0" lvl="0" marL="0">
+            <a:pPr marL="0" lvl="0" indent="0">
               <a:spcBef>
                 <a:spcPts val="0"/>
               </a:spcBef>
@@ -2553,11 +2747,11 @@
 </file>
 
 <file path=ppt/slideLayouts/slideLayout5.xml><?xml version="1.0" encoding="utf-8"?>
-<p:sldLayout xmlns:a="http://schemas.openxmlformats.org/drawingml/2006/main" xmlns:r="http://schemas.openxmlformats.org/officeDocument/2006/relationships" xmlns:mc="http://schemas.openxmlformats.org/markup-compatibility/2006" xmlns:mv="urn:schemas-microsoft-com:mac:vml" xmlns:p="http://schemas.openxmlformats.org/presentationml/2006/main" xmlns:c="http://schemas.openxmlformats.org/drawingml/2006/chart" xmlns:dgm="http://schemas.openxmlformats.org/drawingml/2006/diagram" xmlns:o="urn:schemas-microsoft-com:office:office" xmlns:v="urn:schemas-microsoft-com:vml" xmlns:pvml="urn:schemas-microsoft-com:office:powerpoint" xmlns:com="http://schemas.openxmlformats.org/drawingml/2006/compatibility" xmlns:p14="http://schemas.microsoft.com/office/powerpoint/2010/main" xmlns:p15="http://schemas.microsoft.com/office/powerpoint/2012/main" type="titleOnly">
+<p:sldLayout xmlns:a="http://schemas.openxmlformats.org/drawingml/2006/main" xmlns:r="http://schemas.openxmlformats.org/officeDocument/2006/relationships" xmlns:p="http://schemas.openxmlformats.org/presentationml/2006/main" type="titleOnly">
   <p:cSld name="Title only">
     <p:spTree>
       <p:nvGrpSpPr>
-        <p:cNvPr id="25" name="Shape 25"/>
+        <p:cNvPr id="1" name="Shape 25"/>
         <p:cNvGrpSpPr/>
         <p:nvPr/>
       </p:nvGrpSpPr>
@@ -2572,7 +2766,9 @@
       <p:sp>
         <p:nvSpPr>
           <p:cNvPr id="26" name="Shape 26"/>
-          <p:cNvSpPr txBox="1"/>
+          <p:cNvSpPr txBox="1">
+            <a:spLocks noGrp="1"/>
+          </p:cNvSpPr>
           <p:nvPr>
             <p:ph type="title"/>
           </p:nvPr>
@@ -2587,7 +2783,7 @@
           </a:prstGeom>
         </p:spPr>
         <p:txBody>
-          <a:bodyPr anchorCtr="0" anchor="t" bIns="91425" lIns="91425" spcFirstLastPara="1" rIns="91425" wrap="square" tIns="91425"/>
+          <a:bodyPr spcFirstLastPara="1" wrap="square" lIns="91425" tIns="91425" rIns="91425" bIns="91425" anchor="t" anchorCtr="0"/>
           <a:lstStyle>
             <a:lvl1pPr lvl="0">
               <a:spcBef>
@@ -2689,15 +2885,19 @@
               <a:defRPr/>
             </a:lvl9pPr>
           </a:lstStyle>
-          <a:p/>
+          <a:p>
+            <a:endParaRPr/>
+          </a:p>
         </p:txBody>
       </p:sp>
       <p:sp>
         <p:nvSpPr>
           <p:cNvPr id="27" name="Shape 27"/>
-          <p:cNvSpPr txBox="1"/>
+          <p:cNvSpPr txBox="1">
+            <a:spLocks noGrp="1"/>
+          </p:cNvSpPr>
           <p:nvPr>
-            <p:ph idx="12" type="sldNum"/>
+            <p:ph type="sldNum" idx="12"/>
           </p:nvPr>
         </p:nvSpPr>
         <p:spPr>
@@ -2710,12 +2910,12 @@
           </a:prstGeom>
         </p:spPr>
         <p:txBody>
-          <a:bodyPr anchorCtr="0" anchor="ctr" bIns="91425" lIns="91425" spcFirstLastPara="1" rIns="91425" wrap="square" tIns="91425">
+          <a:bodyPr spcFirstLastPara="1" wrap="square" lIns="91425" tIns="91425" rIns="91425" bIns="91425" anchor="ctr" anchorCtr="0">
             <a:noAutofit/>
           </a:bodyPr>
           <a:lstStyle/>
           <a:p>
-            <a:pPr indent="0" lvl="0" marL="0">
+            <a:pPr marL="0" lvl="0" indent="0">
               <a:spcBef>
                 <a:spcPts val="0"/>
               </a:spcBef>
@@ -2741,11 +2941,11 @@
 </file>
 
 <file path=ppt/slideLayouts/slideLayout6.xml><?xml version="1.0" encoding="utf-8"?>
-<p:sldLayout xmlns:a="http://schemas.openxmlformats.org/drawingml/2006/main" xmlns:r="http://schemas.openxmlformats.org/officeDocument/2006/relationships" xmlns:mc="http://schemas.openxmlformats.org/markup-compatibility/2006" xmlns:mv="urn:schemas-microsoft-com:mac:vml" xmlns:p="http://schemas.openxmlformats.org/presentationml/2006/main" xmlns:c="http://schemas.openxmlformats.org/drawingml/2006/chart" xmlns:dgm="http://schemas.openxmlformats.org/drawingml/2006/diagram" xmlns:o="urn:schemas-microsoft-com:office:office" xmlns:v="urn:schemas-microsoft-com:vml" xmlns:pvml="urn:schemas-microsoft-com:office:powerpoint" xmlns:com="http://schemas.openxmlformats.org/drawingml/2006/compatibility" xmlns:p14="http://schemas.microsoft.com/office/powerpoint/2010/main" xmlns:p15="http://schemas.microsoft.com/office/powerpoint/2012/main">
+<p:sldLayout xmlns:a="http://schemas.openxmlformats.org/drawingml/2006/main" xmlns:r="http://schemas.openxmlformats.org/officeDocument/2006/relationships" xmlns:p="http://schemas.openxmlformats.org/presentationml/2006/main">
   <p:cSld name="One column text">
     <p:spTree>
       <p:nvGrpSpPr>
-        <p:cNvPr id="28" name="Shape 28"/>
+        <p:cNvPr id="1" name="Shape 28"/>
         <p:cNvGrpSpPr/>
         <p:nvPr/>
       </p:nvGrpSpPr>
@@ -2760,7 +2960,9 @@
       <p:sp>
         <p:nvSpPr>
           <p:cNvPr id="29" name="Shape 29"/>
-          <p:cNvSpPr txBox="1"/>
+          <p:cNvSpPr txBox="1">
+            <a:spLocks noGrp="1"/>
+          </p:cNvSpPr>
           <p:nvPr>
             <p:ph type="title"/>
           </p:nvPr>
@@ -2775,7 +2977,7 @@
           </a:prstGeom>
         </p:spPr>
         <p:txBody>
-          <a:bodyPr anchorCtr="0" anchor="b" bIns="91425" lIns="91425" spcFirstLastPara="1" rIns="91425" wrap="square" tIns="91425"/>
+          <a:bodyPr spcFirstLastPara="1" wrap="square" lIns="91425" tIns="91425" rIns="91425" bIns="91425" anchor="b" anchorCtr="0"/>
           <a:lstStyle>
             <a:lvl1pPr lvl="0">
               <a:spcBef>
@@ -2877,15 +3079,19 @@
               <a:defRPr sz="2400"/>
             </a:lvl9pPr>
           </a:lstStyle>
-          <a:p/>
+          <a:p>
+            <a:endParaRPr/>
+          </a:p>
         </p:txBody>
       </p:sp>
       <p:sp>
         <p:nvSpPr>
           <p:cNvPr id="30" name="Shape 30"/>
-          <p:cNvSpPr txBox="1"/>
+          <p:cNvSpPr txBox="1">
+            <a:spLocks noGrp="1"/>
+          </p:cNvSpPr>
           <p:nvPr>
-            <p:ph idx="1" type="body"/>
+            <p:ph type="body" idx="1"/>
           </p:nvPr>
         </p:nvSpPr>
         <p:spPr>
@@ -2898,9 +3104,9 @@
           </a:prstGeom>
         </p:spPr>
         <p:txBody>
-          <a:bodyPr anchorCtr="0" anchor="t" bIns="91425" lIns="91425" spcFirstLastPara="1" rIns="91425" wrap="square" tIns="91425"/>
+          <a:bodyPr spcFirstLastPara="1" wrap="square" lIns="91425" tIns="91425" rIns="91425" bIns="91425" anchor="t" anchorCtr="0"/>
           <a:lstStyle>
-            <a:lvl1pPr indent="-304800" lvl="0" marL="457200">
+            <a:lvl1pPr marL="457200" lvl="0" indent="-304800">
               <a:spcBef>
                 <a:spcPts val="0"/>
               </a:spcBef>
@@ -2911,7 +3117,7 @@
               <a:buChar char="●"/>
               <a:defRPr sz="1200"/>
             </a:lvl1pPr>
-            <a:lvl2pPr indent="-304800" lvl="1" marL="914400">
+            <a:lvl2pPr marL="914400" lvl="1" indent="-304800">
               <a:spcBef>
                 <a:spcPts val="1600"/>
               </a:spcBef>
@@ -2922,7 +3128,7 @@
               <a:buChar char="○"/>
               <a:defRPr sz="1200"/>
             </a:lvl2pPr>
-            <a:lvl3pPr indent="-304800" lvl="2" marL="1371600">
+            <a:lvl3pPr marL="1371600" lvl="2" indent="-304800">
               <a:spcBef>
                 <a:spcPts val="1600"/>
               </a:spcBef>
@@ -2933,7 +3139,7 @@
               <a:buChar char="■"/>
               <a:defRPr sz="1200"/>
             </a:lvl3pPr>
-            <a:lvl4pPr indent="-304800" lvl="3" marL="1828800">
+            <a:lvl4pPr marL="1828800" lvl="3" indent="-304800">
               <a:spcBef>
                 <a:spcPts val="1600"/>
               </a:spcBef>
@@ -2944,7 +3150,7 @@
               <a:buChar char="●"/>
               <a:defRPr sz="1200"/>
             </a:lvl4pPr>
-            <a:lvl5pPr indent="-304800" lvl="4" marL="2286000">
+            <a:lvl5pPr marL="2286000" lvl="4" indent="-304800">
               <a:spcBef>
                 <a:spcPts val="1600"/>
               </a:spcBef>
@@ -2955,7 +3161,7 @@
               <a:buChar char="○"/>
               <a:defRPr sz="1200"/>
             </a:lvl5pPr>
-            <a:lvl6pPr indent="-304800" lvl="5" marL="2743200">
+            <a:lvl6pPr marL="2743200" lvl="5" indent="-304800">
               <a:spcBef>
                 <a:spcPts val="1600"/>
               </a:spcBef>
@@ -2966,7 +3172,7 @@
               <a:buChar char="■"/>
               <a:defRPr sz="1200"/>
             </a:lvl6pPr>
-            <a:lvl7pPr indent="-304800" lvl="6" marL="3200400">
+            <a:lvl7pPr marL="3200400" lvl="6" indent="-304800">
               <a:spcBef>
                 <a:spcPts val="1600"/>
               </a:spcBef>
@@ -2977,7 +3183,7 @@
               <a:buChar char="●"/>
               <a:defRPr sz="1200"/>
             </a:lvl7pPr>
-            <a:lvl8pPr indent="-304800" lvl="7" marL="3657600">
+            <a:lvl8pPr marL="3657600" lvl="7" indent="-304800">
               <a:spcBef>
                 <a:spcPts val="1600"/>
               </a:spcBef>
@@ -2988,7 +3194,7 @@
               <a:buChar char="○"/>
               <a:defRPr sz="1200"/>
             </a:lvl8pPr>
-            <a:lvl9pPr indent="-304800" lvl="8" marL="4114800">
+            <a:lvl9pPr marL="4114800" lvl="8" indent="-304800">
               <a:spcBef>
                 <a:spcPts val="1600"/>
               </a:spcBef>
@@ -3000,15 +3206,19 @@
               <a:defRPr sz="1200"/>
             </a:lvl9pPr>
           </a:lstStyle>
-          <a:p/>
+          <a:p>
+            <a:endParaRPr/>
+          </a:p>
         </p:txBody>
       </p:sp>
       <p:sp>
         <p:nvSpPr>
           <p:cNvPr id="31" name="Shape 31"/>
-          <p:cNvSpPr txBox="1"/>
+          <p:cNvSpPr txBox="1">
+            <a:spLocks noGrp="1"/>
+          </p:cNvSpPr>
           <p:nvPr>
-            <p:ph idx="12" type="sldNum"/>
+            <p:ph type="sldNum" idx="12"/>
           </p:nvPr>
         </p:nvSpPr>
         <p:spPr>
@@ -3021,12 +3231,12 @@
           </a:prstGeom>
         </p:spPr>
         <p:txBody>
-          <a:bodyPr anchorCtr="0" anchor="ctr" bIns="91425" lIns="91425" spcFirstLastPara="1" rIns="91425" wrap="square" tIns="91425">
+          <a:bodyPr spcFirstLastPara="1" wrap="square" lIns="91425" tIns="91425" rIns="91425" bIns="91425" anchor="ctr" anchorCtr="0">
             <a:noAutofit/>
           </a:bodyPr>
           <a:lstStyle/>
           <a:p>
-            <a:pPr indent="0" lvl="0" marL="0">
+            <a:pPr marL="0" lvl="0" indent="0">
               <a:spcBef>
                 <a:spcPts val="0"/>
               </a:spcBef>
@@ -3052,11 +3262,11 @@
 </file>
 
 <file path=ppt/slideLayouts/slideLayout7.xml><?xml version="1.0" encoding="utf-8"?>
-<p:sldLayout xmlns:a="http://schemas.openxmlformats.org/drawingml/2006/main" xmlns:r="http://schemas.openxmlformats.org/officeDocument/2006/relationships" xmlns:mc="http://schemas.openxmlformats.org/markup-compatibility/2006" xmlns:mv="urn:schemas-microsoft-com:mac:vml" xmlns:p="http://schemas.openxmlformats.org/presentationml/2006/main" xmlns:c="http://schemas.openxmlformats.org/drawingml/2006/chart" xmlns:dgm="http://schemas.openxmlformats.org/drawingml/2006/diagram" xmlns:o="urn:schemas-microsoft-com:office:office" xmlns:v="urn:schemas-microsoft-com:vml" xmlns:pvml="urn:schemas-microsoft-com:office:powerpoint" xmlns:com="http://schemas.openxmlformats.org/drawingml/2006/compatibility" xmlns:p14="http://schemas.microsoft.com/office/powerpoint/2010/main" xmlns:p15="http://schemas.microsoft.com/office/powerpoint/2012/main">
+<p:sldLayout xmlns:a="http://schemas.openxmlformats.org/drawingml/2006/main" xmlns:r="http://schemas.openxmlformats.org/officeDocument/2006/relationships" xmlns:p="http://schemas.openxmlformats.org/presentationml/2006/main">
   <p:cSld name="Main point">
     <p:spTree>
       <p:nvGrpSpPr>
-        <p:cNvPr id="32" name="Shape 32"/>
+        <p:cNvPr id="1" name="Shape 32"/>
         <p:cNvGrpSpPr/>
         <p:nvPr/>
       </p:nvGrpSpPr>
@@ -3071,7 +3281,9 @@
       <p:sp>
         <p:nvSpPr>
           <p:cNvPr id="33" name="Shape 33"/>
-          <p:cNvSpPr txBox="1"/>
+          <p:cNvSpPr txBox="1">
+            <a:spLocks noGrp="1"/>
+          </p:cNvSpPr>
           <p:nvPr>
             <p:ph type="title"/>
           </p:nvPr>
@@ -3086,7 +3298,7 @@
           </a:prstGeom>
         </p:spPr>
         <p:txBody>
-          <a:bodyPr anchorCtr="0" anchor="ctr" bIns="91425" lIns="91425" spcFirstLastPara="1" rIns="91425" wrap="square" tIns="91425"/>
+          <a:bodyPr spcFirstLastPara="1" wrap="square" lIns="91425" tIns="91425" rIns="91425" bIns="91425" anchor="ctr" anchorCtr="0"/>
           <a:lstStyle>
             <a:lvl1pPr lvl="0">
               <a:spcBef>
@@ -3188,15 +3400,19 @@
               <a:defRPr sz="4800"/>
             </a:lvl9pPr>
           </a:lstStyle>
-          <a:p/>
+          <a:p>
+            <a:endParaRPr/>
+          </a:p>
         </p:txBody>
       </p:sp>
       <p:sp>
         <p:nvSpPr>
           <p:cNvPr id="34" name="Shape 34"/>
-          <p:cNvSpPr txBox="1"/>
+          <p:cNvSpPr txBox="1">
+            <a:spLocks noGrp="1"/>
+          </p:cNvSpPr>
           <p:nvPr>
-            <p:ph idx="12" type="sldNum"/>
+            <p:ph type="sldNum" idx="12"/>
           </p:nvPr>
         </p:nvSpPr>
         <p:spPr>
@@ -3209,12 +3425,12 @@
           </a:prstGeom>
         </p:spPr>
         <p:txBody>
-          <a:bodyPr anchorCtr="0" anchor="ctr" bIns="91425" lIns="91425" spcFirstLastPara="1" rIns="91425" wrap="square" tIns="91425">
+          <a:bodyPr spcFirstLastPara="1" wrap="square" lIns="91425" tIns="91425" rIns="91425" bIns="91425" anchor="ctr" anchorCtr="0">
             <a:noAutofit/>
           </a:bodyPr>
           <a:lstStyle/>
           <a:p>
-            <a:pPr indent="0" lvl="0" marL="0">
+            <a:pPr marL="0" lvl="0" indent="0">
               <a:spcBef>
                 <a:spcPts val="0"/>
               </a:spcBef>
@@ -3240,11 +3456,11 @@
 </file>
 
 <file path=ppt/slideLayouts/slideLayout8.xml><?xml version="1.0" encoding="utf-8"?>
-<p:sldLayout xmlns:a="http://schemas.openxmlformats.org/drawingml/2006/main" xmlns:r="http://schemas.openxmlformats.org/officeDocument/2006/relationships" xmlns:mc="http://schemas.openxmlformats.org/markup-compatibility/2006" xmlns:mv="urn:schemas-microsoft-com:mac:vml" xmlns:p="http://schemas.openxmlformats.org/presentationml/2006/main" xmlns:c="http://schemas.openxmlformats.org/drawingml/2006/chart" xmlns:dgm="http://schemas.openxmlformats.org/drawingml/2006/diagram" xmlns:o="urn:schemas-microsoft-com:office:office" xmlns:v="urn:schemas-microsoft-com:vml" xmlns:pvml="urn:schemas-microsoft-com:office:powerpoint" xmlns:com="http://schemas.openxmlformats.org/drawingml/2006/compatibility" xmlns:p14="http://schemas.microsoft.com/office/powerpoint/2010/main" xmlns:p15="http://schemas.microsoft.com/office/powerpoint/2012/main">
+<p:sldLayout xmlns:a="http://schemas.openxmlformats.org/drawingml/2006/main" xmlns:r="http://schemas.openxmlformats.org/officeDocument/2006/relationships" xmlns:p="http://schemas.openxmlformats.org/presentationml/2006/main">
   <p:cSld name="Section title and description">
     <p:spTree>
       <p:nvGrpSpPr>
-        <p:cNvPr id="35" name="Shape 35"/>
+        <p:cNvPr id="1" name="Shape 35"/>
         <p:cNvGrpSpPr/>
         <p:nvPr/>
       </p:nvGrpSpPr>
@@ -3278,12 +3494,12 @@
           </a:ln>
         </p:spPr>
         <p:txBody>
-          <a:bodyPr anchorCtr="0" anchor="ctr" bIns="91425" lIns="91425" spcFirstLastPara="1" rIns="91425" wrap="square" tIns="91425">
+          <a:bodyPr spcFirstLastPara="1" wrap="square" lIns="91425" tIns="91425" rIns="91425" bIns="91425" anchor="ctr" anchorCtr="0">
             <a:noAutofit/>
           </a:bodyPr>
           <a:lstStyle/>
           <a:p>
-            <a:pPr indent="0" lvl="0" marL="0">
+            <a:pPr marL="0" lvl="0" indent="0">
               <a:spcBef>
                 <a:spcPts val="0"/>
               </a:spcBef>
@@ -3292,9 +3508,6 @@
               </a:spcAft>
               <a:buNone/>
             </a:pPr>
-            <a:r>
-              <a:t/>
-            </a:r>
             <a:endParaRPr/>
           </a:p>
         </p:txBody>
@@ -3302,7 +3515,9 @@
       <p:sp>
         <p:nvSpPr>
           <p:cNvPr id="37" name="Shape 37"/>
-          <p:cNvSpPr txBox="1"/>
+          <p:cNvSpPr txBox="1">
+            <a:spLocks noGrp="1"/>
+          </p:cNvSpPr>
           <p:nvPr>
             <p:ph type="title"/>
           </p:nvPr>
@@ -3317,7 +3532,7 @@
           </a:prstGeom>
         </p:spPr>
         <p:txBody>
-          <a:bodyPr anchorCtr="0" anchor="b" bIns="91425" lIns="91425" spcFirstLastPara="1" rIns="91425" wrap="square" tIns="91425"/>
+          <a:bodyPr spcFirstLastPara="1" wrap="square" lIns="91425" tIns="91425" rIns="91425" bIns="91425" anchor="b" anchorCtr="0"/>
           <a:lstStyle>
             <a:lvl1pPr lvl="0" algn="ctr">
               <a:spcBef>
@@ -3419,15 +3634,19 @@
               <a:defRPr sz="4200"/>
             </a:lvl9pPr>
           </a:lstStyle>
-          <a:p/>
+          <a:p>
+            <a:endParaRPr/>
+          </a:p>
         </p:txBody>
       </p:sp>
       <p:sp>
         <p:nvSpPr>
           <p:cNvPr id="38" name="Shape 38"/>
-          <p:cNvSpPr txBox="1"/>
+          <p:cNvSpPr txBox="1">
+            <a:spLocks noGrp="1"/>
+          </p:cNvSpPr>
           <p:nvPr>
-            <p:ph idx="1" type="subTitle"/>
+            <p:ph type="subTitle" idx="1"/>
           </p:nvPr>
         </p:nvSpPr>
         <p:spPr>
@@ -3440,7 +3659,7 @@
           </a:prstGeom>
         </p:spPr>
         <p:txBody>
-          <a:bodyPr anchorCtr="0" anchor="t" bIns="91425" lIns="91425" spcFirstLastPara="1" rIns="91425" wrap="square" tIns="91425"/>
+          <a:bodyPr spcFirstLastPara="1" wrap="square" lIns="91425" tIns="91425" rIns="91425" bIns="91425" anchor="t" anchorCtr="0"/>
           <a:lstStyle>
             <a:lvl1pPr lvl="0" algn="ctr">
               <a:lnSpc>
@@ -3569,15 +3788,19 @@
               <a:defRPr sz="2100"/>
             </a:lvl9pPr>
           </a:lstStyle>
-          <a:p/>
+          <a:p>
+            <a:endParaRPr/>
+          </a:p>
         </p:txBody>
       </p:sp>
       <p:sp>
         <p:nvSpPr>
           <p:cNvPr id="39" name="Shape 39"/>
-          <p:cNvSpPr txBox="1"/>
+          <p:cNvSpPr txBox="1">
+            <a:spLocks noGrp="1"/>
+          </p:cNvSpPr>
           <p:nvPr>
-            <p:ph idx="2" type="body"/>
+            <p:ph type="body" idx="2"/>
           </p:nvPr>
         </p:nvSpPr>
         <p:spPr>
@@ -3590,9 +3813,9 @@
           </a:prstGeom>
         </p:spPr>
         <p:txBody>
-          <a:bodyPr anchorCtr="0" anchor="ctr" bIns="91425" lIns="91425" spcFirstLastPara="1" rIns="91425" wrap="square" tIns="91425"/>
+          <a:bodyPr spcFirstLastPara="1" wrap="square" lIns="91425" tIns="91425" rIns="91425" bIns="91425" anchor="ctr" anchorCtr="0"/>
           <a:lstStyle>
-            <a:lvl1pPr indent="-342900" lvl="0" marL="457200">
+            <a:lvl1pPr marL="457200" lvl="0" indent="-342900">
               <a:spcBef>
                 <a:spcPts val="0"/>
               </a:spcBef>
@@ -3603,7 +3826,7 @@
               <a:buChar char="●"/>
               <a:defRPr/>
             </a:lvl1pPr>
-            <a:lvl2pPr indent="-317500" lvl="1" marL="914400">
+            <a:lvl2pPr marL="914400" lvl="1" indent="-317500">
               <a:spcBef>
                 <a:spcPts val="1600"/>
               </a:spcBef>
@@ -3614,7 +3837,7 @@
               <a:buChar char="○"/>
               <a:defRPr/>
             </a:lvl2pPr>
-            <a:lvl3pPr indent="-317500" lvl="2" marL="1371600">
+            <a:lvl3pPr marL="1371600" lvl="2" indent="-317500">
               <a:spcBef>
                 <a:spcPts val="1600"/>
               </a:spcBef>
@@ -3625,7 +3848,7 @@
               <a:buChar char="■"/>
               <a:defRPr/>
             </a:lvl3pPr>
-            <a:lvl4pPr indent="-317500" lvl="3" marL="1828800">
+            <a:lvl4pPr marL="1828800" lvl="3" indent="-317500">
               <a:spcBef>
                 <a:spcPts val="1600"/>
               </a:spcBef>
@@ -3636,7 +3859,7 @@
               <a:buChar char="●"/>
               <a:defRPr/>
             </a:lvl4pPr>
-            <a:lvl5pPr indent="-317500" lvl="4" marL="2286000">
+            <a:lvl5pPr marL="2286000" lvl="4" indent="-317500">
               <a:spcBef>
                 <a:spcPts val="1600"/>
               </a:spcBef>
@@ -3647,7 +3870,7 @@
               <a:buChar char="○"/>
               <a:defRPr/>
             </a:lvl5pPr>
-            <a:lvl6pPr indent="-317500" lvl="5" marL="2743200">
+            <a:lvl6pPr marL="2743200" lvl="5" indent="-317500">
               <a:spcBef>
                 <a:spcPts val="1600"/>
               </a:spcBef>
@@ -3658,7 +3881,7 @@
               <a:buChar char="■"/>
               <a:defRPr/>
             </a:lvl6pPr>
-            <a:lvl7pPr indent="-317500" lvl="6" marL="3200400">
+            <a:lvl7pPr marL="3200400" lvl="6" indent="-317500">
               <a:spcBef>
                 <a:spcPts val="1600"/>
               </a:spcBef>
@@ -3669,7 +3892,7 @@
               <a:buChar char="●"/>
               <a:defRPr/>
             </a:lvl7pPr>
-            <a:lvl8pPr indent="-317500" lvl="7" marL="3657600">
+            <a:lvl8pPr marL="3657600" lvl="7" indent="-317500">
               <a:spcBef>
                 <a:spcPts val="1600"/>
               </a:spcBef>
@@ -3680,7 +3903,7 @@
               <a:buChar char="○"/>
               <a:defRPr/>
             </a:lvl8pPr>
-            <a:lvl9pPr indent="-317500" lvl="8" marL="4114800">
+            <a:lvl9pPr marL="4114800" lvl="8" indent="-317500">
               <a:spcBef>
                 <a:spcPts val="1600"/>
               </a:spcBef>
@@ -3692,15 +3915,19 @@
               <a:defRPr/>
             </a:lvl9pPr>
           </a:lstStyle>
-          <a:p/>
+          <a:p>
+            <a:endParaRPr/>
+          </a:p>
         </p:txBody>
       </p:sp>
       <p:sp>
         <p:nvSpPr>
           <p:cNvPr id="40" name="Shape 40"/>
-          <p:cNvSpPr txBox="1"/>
+          <p:cNvSpPr txBox="1">
+            <a:spLocks noGrp="1"/>
+          </p:cNvSpPr>
           <p:nvPr>
-            <p:ph idx="12" type="sldNum"/>
+            <p:ph type="sldNum" idx="12"/>
           </p:nvPr>
         </p:nvSpPr>
         <p:spPr>
@@ -3713,12 +3940,12 @@
           </a:prstGeom>
         </p:spPr>
         <p:txBody>
-          <a:bodyPr anchorCtr="0" anchor="ctr" bIns="91425" lIns="91425" spcFirstLastPara="1" rIns="91425" wrap="square" tIns="91425">
+          <a:bodyPr spcFirstLastPara="1" wrap="square" lIns="91425" tIns="91425" rIns="91425" bIns="91425" anchor="ctr" anchorCtr="0">
             <a:noAutofit/>
           </a:bodyPr>
           <a:lstStyle/>
           <a:p>
-            <a:pPr indent="0" lvl="0" marL="0">
+            <a:pPr marL="0" lvl="0" indent="0">
               <a:spcBef>
                 <a:spcPts val="0"/>
               </a:spcBef>
@@ -3744,11 +3971,11 @@
 </file>
 
 <file path=ppt/slideLayouts/slideLayout9.xml><?xml version="1.0" encoding="utf-8"?>
-<p:sldLayout xmlns:a="http://schemas.openxmlformats.org/drawingml/2006/main" xmlns:r="http://schemas.openxmlformats.org/officeDocument/2006/relationships" xmlns:mc="http://schemas.openxmlformats.org/markup-compatibility/2006" xmlns:mv="urn:schemas-microsoft-com:mac:vml" xmlns:p="http://schemas.openxmlformats.org/presentationml/2006/main" xmlns:c="http://schemas.openxmlformats.org/drawingml/2006/chart" xmlns:dgm="http://schemas.openxmlformats.org/drawingml/2006/diagram" xmlns:o="urn:schemas-microsoft-com:office:office" xmlns:v="urn:schemas-microsoft-com:vml" xmlns:pvml="urn:schemas-microsoft-com:office:powerpoint" xmlns:com="http://schemas.openxmlformats.org/drawingml/2006/compatibility" xmlns:p14="http://schemas.microsoft.com/office/powerpoint/2010/main" xmlns:p15="http://schemas.microsoft.com/office/powerpoint/2012/main">
+<p:sldLayout xmlns:a="http://schemas.openxmlformats.org/drawingml/2006/main" xmlns:r="http://schemas.openxmlformats.org/officeDocument/2006/relationships" xmlns:p="http://schemas.openxmlformats.org/presentationml/2006/main">
   <p:cSld name="Caption">
     <p:spTree>
       <p:nvGrpSpPr>
-        <p:cNvPr id="41" name="Shape 41"/>
+        <p:cNvPr id="1" name="Shape 41"/>
         <p:cNvGrpSpPr/>
         <p:nvPr/>
       </p:nvGrpSpPr>
@@ -3763,9 +3990,11 @@
       <p:sp>
         <p:nvSpPr>
           <p:cNvPr id="42" name="Shape 42"/>
-          <p:cNvSpPr txBox="1"/>
+          <p:cNvSpPr txBox="1">
+            <a:spLocks noGrp="1"/>
+          </p:cNvSpPr>
           <p:nvPr>
-            <p:ph idx="1" type="body"/>
+            <p:ph type="body" idx="1"/>
           </p:nvPr>
         </p:nvSpPr>
         <p:spPr>
@@ -3778,9 +4007,9 @@
           </a:prstGeom>
         </p:spPr>
         <p:txBody>
-          <a:bodyPr anchorCtr="0" anchor="ctr" bIns="91425" lIns="91425" spcFirstLastPara="1" rIns="91425" wrap="square" tIns="91425"/>
+          <a:bodyPr spcFirstLastPara="1" wrap="square" lIns="91425" tIns="91425" rIns="91425" bIns="91425" anchor="ctr" anchorCtr="0"/>
           <a:lstStyle>
-            <a:lvl1pPr indent="-228600" lvl="0" marL="457200">
+            <a:lvl1pPr marL="457200" lvl="0" indent="-228600">
               <a:lnSpc>
                 <a:spcPct val="100000"/>
               </a:lnSpc>
@@ -3795,15 +4024,19 @@
               <a:defRPr/>
             </a:lvl1pPr>
           </a:lstStyle>
-          <a:p/>
+          <a:p>
+            <a:endParaRPr/>
+          </a:p>
         </p:txBody>
       </p:sp>
       <p:sp>
         <p:nvSpPr>
           <p:cNvPr id="43" name="Shape 43"/>
-          <p:cNvSpPr txBox="1"/>
+          <p:cNvSpPr txBox="1">
+            <a:spLocks noGrp="1"/>
+          </p:cNvSpPr>
           <p:nvPr>
-            <p:ph idx="12" type="sldNum"/>
+            <p:ph type="sldNum" idx="12"/>
           </p:nvPr>
         </p:nvSpPr>
         <p:spPr>
@@ -3816,12 +4049,12 @@
           </a:prstGeom>
         </p:spPr>
         <p:txBody>
-          <a:bodyPr anchorCtr="0" anchor="ctr" bIns="91425" lIns="91425" spcFirstLastPara="1" rIns="91425" wrap="square" tIns="91425">
+          <a:bodyPr spcFirstLastPara="1" wrap="square" lIns="91425" tIns="91425" rIns="91425" bIns="91425" anchor="ctr" anchorCtr="0">
             <a:noAutofit/>
           </a:bodyPr>
           <a:lstStyle/>
           <a:p>
-            <a:pPr indent="0" lvl="0" marL="0">
+            <a:pPr marL="0" lvl="0" indent="0">
               <a:spcBef>
                 <a:spcPts val="0"/>
               </a:spcBef>
@@ -3847,18 +4080,19 @@
 </file>
 
 <file path=ppt/slideMasters/slideMaster1.xml><?xml version="1.0" encoding="utf-8"?>
-<p:sldMaster xmlns:a="http://schemas.openxmlformats.org/drawingml/2006/main" xmlns:r="http://schemas.openxmlformats.org/officeDocument/2006/relationships" xmlns:mc="http://schemas.openxmlformats.org/markup-compatibility/2006" xmlns:mv="urn:schemas-microsoft-com:mac:vml" xmlns:p="http://schemas.openxmlformats.org/presentationml/2006/main" xmlns:c="http://schemas.openxmlformats.org/drawingml/2006/chart" xmlns:dgm="http://schemas.openxmlformats.org/drawingml/2006/diagram" xmlns:o="urn:schemas-microsoft-com:office:office" xmlns:v="urn:schemas-microsoft-com:vml" xmlns:pvml="urn:schemas-microsoft-com:office:powerpoint" xmlns:com="http://schemas.openxmlformats.org/drawingml/2006/compatibility" xmlns:p14="http://schemas.microsoft.com/office/powerpoint/2010/main" xmlns:p15="http://schemas.microsoft.com/office/powerpoint/2012/main">
+<p:sldMaster xmlns:a="http://schemas.openxmlformats.org/drawingml/2006/main" xmlns:r="http://schemas.openxmlformats.org/officeDocument/2006/relationships" xmlns:p="http://schemas.openxmlformats.org/presentationml/2006/main">
   <p:cSld name="simple-light-2">
     <p:bg>
       <p:bgPr>
         <a:solidFill>
           <a:schemeClr val="lt1"/>
         </a:solidFill>
+        <a:effectLst/>
       </p:bgPr>
     </p:bg>
     <p:spTree>
       <p:nvGrpSpPr>
-        <p:cNvPr id="5" name="Shape 5"/>
+        <p:cNvPr id="1" name="Shape 5"/>
         <p:cNvGrpSpPr/>
         <p:nvPr/>
       </p:nvGrpSpPr>
@@ -3873,7 +4107,9 @@
       <p:sp>
         <p:nvSpPr>
           <p:cNvPr id="6" name="Shape 6"/>
-          <p:cNvSpPr txBox="1"/>
+          <p:cNvSpPr txBox="1">
+            <a:spLocks noGrp="1"/>
+          </p:cNvSpPr>
           <p:nvPr>
             <p:ph type="title"/>
           </p:nvPr>
@@ -3892,7 +4128,7 @@
           </a:ln>
         </p:spPr>
         <p:txBody>
-          <a:bodyPr anchorCtr="0" anchor="t" bIns="91425" lIns="91425" spcFirstLastPara="1" rIns="91425" wrap="square" tIns="91425"/>
+          <a:bodyPr spcFirstLastPara="1" wrap="square" lIns="91425" tIns="91425" rIns="91425" bIns="91425" anchor="t" anchorCtr="0"/>
           <a:lstStyle>
             <a:lvl1pPr lvl="0">
               <a:spcBef>
@@ -4057,15 +4293,19 @@
               </a:defRPr>
             </a:lvl9pPr>
           </a:lstStyle>
-          <a:p/>
+          <a:p>
+            <a:endParaRPr/>
+          </a:p>
         </p:txBody>
       </p:sp>
       <p:sp>
         <p:nvSpPr>
           <p:cNvPr id="7" name="Shape 7"/>
-          <p:cNvSpPr txBox="1"/>
+          <p:cNvSpPr txBox="1">
+            <a:spLocks noGrp="1"/>
+          </p:cNvSpPr>
           <p:nvPr>
-            <p:ph idx="1" type="body"/>
+            <p:ph type="body" idx="1"/>
           </p:nvPr>
         </p:nvSpPr>
         <p:spPr>
@@ -4082,9 +4322,9 @@
           </a:ln>
         </p:spPr>
         <p:txBody>
-          <a:bodyPr anchorCtr="0" anchor="t" bIns="91425" lIns="91425" spcFirstLastPara="1" rIns="91425" wrap="square" tIns="91425"/>
+          <a:bodyPr spcFirstLastPara="1" wrap="square" lIns="91425" tIns="91425" rIns="91425" bIns="91425" anchor="t" anchorCtr="0"/>
           <a:lstStyle>
-            <a:lvl1pPr indent="-342900" lvl="0" marL="457200">
+            <a:lvl1pPr marL="457200" lvl="0" indent="-342900">
               <a:lnSpc>
                 <a:spcPct val="115000"/>
               </a:lnSpc>
@@ -4105,7 +4345,7 @@
                 </a:solidFill>
               </a:defRPr>
             </a:lvl1pPr>
-            <a:lvl2pPr indent="-317500" lvl="1" marL="914400">
+            <a:lvl2pPr marL="914400" lvl="1" indent="-317500">
               <a:lnSpc>
                 <a:spcPct val="115000"/>
               </a:lnSpc>
@@ -4126,7 +4366,7 @@
                 </a:solidFill>
               </a:defRPr>
             </a:lvl2pPr>
-            <a:lvl3pPr indent="-317500" lvl="2" marL="1371600">
+            <a:lvl3pPr marL="1371600" lvl="2" indent="-317500">
               <a:lnSpc>
                 <a:spcPct val="115000"/>
               </a:lnSpc>
@@ -4147,7 +4387,7 @@
                 </a:solidFill>
               </a:defRPr>
             </a:lvl3pPr>
-            <a:lvl4pPr indent="-317500" lvl="3" marL="1828800">
+            <a:lvl4pPr marL="1828800" lvl="3" indent="-317500">
               <a:lnSpc>
                 <a:spcPct val="115000"/>
               </a:lnSpc>
@@ -4168,7 +4408,7 @@
                 </a:solidFill>
               </a:defRPr>
             </a:lvl4pPr>
-            <a:lvl5pPr indent="-317500" lvl="4" marL="2286000">
+            <a:lvl5pPr marL="2286000" lvl="4" indent="-317500">
               <a:lnSpc>
                 <a:spcPct val="115000"/>
               </a:lnSpc>
@@ -4189,7 +4429,7 @@
                 </a:solidFill>
               </a:defRPr>
             </a:lvl5pPr>
-            <a:lvl6pPr indent="-317500" lvl="5" marL="2743200">
+            <a:lvl6pPr marL="2743200" lvl="5" indent="-317500">
               <a:lnSpc>
                 <a:spcPct val="115000"/>
               </a:lnSpc>
@@ -4210,7 +4450,7 @@
                 </a:solidFill>
               </a:defRPr>
             </a:lvl6pPr>
-            <a:lvl7pPr indent="-317500" lvl="6" marL="3200400">
+            <a:lvl7pPr marL="3200400" lvl="6" indent="-317500">
               <a:lnSpc>
                 <a:spcPct val="115000"/>
               </a:lnSpc>
@@ -4231,7 +4471,7 @@
                 </a:solidFill>
               </a:defRPr>
             </a:lvl7pPr>
-            <a:lvl8pPr indent="-317500" lvl="7" marL="3657600">
+            <a:lvl8pPr marL="3657600" lvl="7" indent="-317500">
               <a:lnSpc>
                 <a:spcPct val="115000"/>
               </a:lnSpc>
@@ -4252,7 +4492,7 @@
                 </a:solidFill>
               </a:defRPr>
             </a:lvl8pPr>
-            <a:lvl9pPr indent="-317500" lvl="8" marL="4114800">
+            <a:lvl9pPr marL="4114800" lvl="8" indent="-317500">
               <a:lnSpc>
                 <a:spcPct val="115000"/>
               </a:lnSpc>
@@ -4274,15 +4514,19 @@
               </a:defRPr>
             </a:lvl9pPr>
           </a:lstStyle>
-          <a:p/>
+          <a:p>
+            <a:endParaRPr/>
+          </a:p>
         </p:txBody>
       </p:sp>
       <p:sp>
         <p:nvSpPr>
           <p:cNvPr id="8" name="Shape 8"/>
-          <p:cNvSpPr txBox="1"/>
+          <p:cNvSpPr txBox="1">
+            <a:spLocks noGrp="1"/>
+          </p:cNvSpPr>
           <p:nvPr>
-            <p:ph idx="12" type="sldNum"/>
+            <p:ph type="sldNum" idx="12"/>
           </p:nvPr>
         </p:nvSpPr>
         <p:spPr>
@@ -4299,12 +4543,12 @@
           </a:ln>
         </p:spPr>
         <p:txBody>
-          <a:bodyPr anchorCtr="0" anchor="ctr" bIns="91425" lIns="91425" spcFirstLastPara="1" rIns="91425" wrap="square" tIns="91425">
+          <a:bodyPr spcFirstLastPara="1" wrap="square" lIns="91425" tIns="91425" rIns="91425" bIns="91425" anchor="ctr" anchorCtr="0">
             <a:noAutofit/>
           </a:bodyPr>
           <a:lstStyle/>
           <a:p>
-            <a:pPr indent="0" lvl="0" marL="0" algn="r">
+            <a:pPr marL="0" lvl="0" indent="0" algn="r">
               <a:spcBef>
                 <a:spcPts val="0"/>
               </a:spcBef>
@@ -4331,7 +4575,7 @@
       </p:sp>
     </p:spTree>
   </p:cSld>
-  <p:clrMap accent1="accent1" accent2="accent2" accent3="accent3" accent4="accent4" accent5="accent5" accent6="accent6" bg1="lt1" bg2="dk2" tx1="dk1" tx2="lt2" folHlink="folHlink" hlink="hlink"/>
+  <p:clrMap bg1="lt1" tx1="dk1" bg2="dk2" tx2="lt2" accent1="accent1" accent2="accent2" accent3="accent3" accent4="accent4" accent5="accent5" accent6="accent6" hlink="hlink" folHlink="folHlink"/>
   <p:sldLayoutIdLst>
     <p:sldLayoutId id="2147483648" r:id="rId1"/>
     <p:sldLayoutId id="2147483649" r:id="rId2"/>
@@ -4345,10 +4589,10 @@
     <p:sldLayoutId id="2147483657" r:id="rId10"/>
     <p:sldLayoutId id="2147483658" r:id="rId11"/>
   </p:sldLayoutIdLst>
-  <p:hf dt="0" ftr="0" hdr="0" sldNum="0"/>
+  <p:hf sldNum="0" hdr="0" ftr="0" dt="0"/>
   <p:txStyles>
     <p:titleStyle>
-      <a:defPPr lvl="0" marR="0" rtl="0" algn="l">
+      <a:defPPr marR="0" lvl="0" algn="l" rtl="0">
         <a:lnSpc>
           <a:spcPct val="100000"/>
         </a:lnSpc>
@@ -4359,7 +4603,7 @@
           <a:spcPts val="0"/>
         </a:spcAft>
       </a:defPPr>
-      <a:lvl1pPr lvl="0" marR="0" rtl="0" algn="l">
+      <a:lvl1pPr marR="0" lvl="0" algn="l" rtl="0">
         <a:lnSpc>
           <a:spcPct val="100000"/>
         </a:lnSpc>
@@ -4370,7 +4614,7 @@
           <a:spcPts val="0"/>
         </a:spcAft>
         <a:buNone/>
-        <a:defRPr b="0" i="0" sz="1400" u="none" cap="none" strike="noStrike">
+        <a:defRPr sz="1400" b="0" i="0" u="none" strike="noStrike" cap="none">
           <a:solidFill>
             <a:srgbClr val="000000"/>
           </a:solidFill>
@@ -4382,7 +4626,7 @@
       </a:lvl1pPr>
     </p:titleStyle>
     <p:bodyStyle>
-      <a:defPPr lvl="0" marR="0" rtl="0" algn="l">
+      <a:defPPr marR="0" lvl="0" algn="l" rtl="0">
         <a:lnSpc>
           <a:spcPct val="100000"/>
         </a:lnSpc>
@@ -4393,7 +4637,7 @@
           <a:spcPts val="0"/>
         </a:spcAft>
       </a:defPPr>
-      <a:lvl1pPr lvl="0" marR="0" rtl="0" algn="l">
+      <a:lvl1pPr marR="0" lvl="0" algn="l" rtl="0">
         <a:lnSpc>
           <a:spcPct val="100000"/>
         </a:lnSpc>
@@ -4404,7 +4648,7 @@
           <a:spcPts val="0"/>
         </a:spcAft>
         <a:buNone/>
-        <a:defRPr b="0" i="0" sz="1400" u="none" cap="none" strike="noStrike">
+        <a:defRPr sz="1400" b="0" i="0" u="none" strike="noStrike" cap="none">
           <a:solidFill>
             <a:srgbClr val="000000"/>
           </a:solidFill>
@@ -4414,7 +4658,7 @@
           <a:sym typeface="Arial"/>
         </a:defRPr>
       </a:lvl1pPr>
-      <a:lvl2pPr lvl="1" marR="0" rtl="0" algn="l">
+      <a:lvl2pPr marR="0" lvl="1" algn="l" rtl="0">
         <a:lnSpc>
           <a:spcPct val="100000"/>
         </a:lnSpc>
@@ -4425,7 +4669,7 @@
           <a:spcPts val="0"/>
         </a:spcAft>
         <a:buNone/>
-        <a:defRPr b="0" i="0" sz="1400" u="none" cap="none" strike="noStrike">
+        <a:defRPr sz="1400" b="0" i="0" u="none" strike="noStrike" cap="none">
           <a:solidFill>
             <a:srgbClr val="000000"/>
           </a:solidFill>
@@ -4435,7 +4679,7 @@
           <a:sym typeface="Arial"/>
         </a:defRPr>
       </a:lvl2pPr>
-      <a:lvl3pPr lvl="2" marR="0" rtl="0" algn="l">
+      <a:lvl3pPr marR="0" lvl="2" algn="l" rtl="0">
         <a:lnSpc>
           <a:spcPct val="100000"/>
         </a:lnSpc>
@@ -4446,7 +4690,7 @@
           <a:spcPts val="0"/>
         </a:spcAft>
         <a:buNone/>
-        <a:defRPr b="0" i="0" sz="1400" u="none" cap="none" strike="noStrike">
+        <a:defRPr sz="1400" b="0" i="0" u="none" strike="noStrike" cap="none">
           <a:solidFill>
             <a:srgbClr val="000000"/>
           </a:solidFill>
@@ -4456,7 +4700,7 @@
           <a:sym typeface="Arial"/>
         </a:defRPr>
       </a:lvl3pPr>
-      <a:lvl4pPr lvl="3" marR="0" rtl="0" algn="l">
+      <a:lvl4pPr marR="0" lvl="3" algn="l" rtl="0">
         <a:lnSpc>
           <a:spcPct val="100000"/>
         </a:lnSpc>
@@ -4467,7 +4711,7 @@
           <a:spcPts val="0"/>
         </a:spcAft>
         <a:buNone/>
-        <a:defRPr b="0" i="0" sz="1400" u="none" cap="none" strike="noStrike">
+        <a:defRPr sz="1400" b="0" i="0" u="none" strike="noStrike" cap="none">
           <a:solidFill>
             <a:srgbClr val="000000"/>
           </a:solidFill>
@@ -4477,7 +4721,7 @@
           <a:sym typeface="Arial"/>
         </a:defRPr>
       </a:lvl4pPr>
-      <a:lvl5pPr lvl="4" marR="0" rtl="0" algn="l">
+      <a:lvl5pPr marR="0" lvl="4" algn="l" rtl="0">
         <a:lnSpc>
           <a:spcPct val="100000"/>
         </a:lnSpc>
@@ -4488,7 +4732,7 @@
           <a:spcPts val="0"/>
         </a:spcAft>
         <a:buNone/>
-        <a:defRPr b="0" i="0" sz="1400" u="none" cap="none" strike="noStrike">
+        <a:defRPr sz="1400" b="0" i="0" u="none" strike="noStrike" cap="none">
           <a:solidFill>
             <a:srgbClr val="000000"/>
           </a:solidFill>
@@ -4498,7 +4742,7 @@
           <a:sym typeface="Arial"/>
         </a:defRPr>
       </a:lvl5pPr>
-      <a:lvl6pPr lvl="5" marR="0" rtl="0" algn="l">
+      <a:lvl6pPr marR="0" lvl="5" algn="l" rtl="0">
         <a:lnSpc>
           <a:spcPct val="100000"/>
         </a:lnSpc>
@@ -4509,7 +4753,7 @@
           <a:spcPts val="0"/>
         </a:spcAft>
         <a:buNone/>
-        <a:defRPr b="0" i="0" sz="1400" u="none" cap="none" strike="noStrike">
+        <a:defRPr sz="1400" b="0" i="0" u="none" strike="noStrike" cap="none">
           <a:solidFill>
             <a:srgbClr val="000000"/>
           </a:solidFill>
@@ -4519,7 +4763,7 @@
           <a:sym typeface="Arial"/>
         </a:defRPr>
       </a:lvl6pPr>
-      <a:lvl7pPr lvl="6" marR="0" rtl="0" algn="l">
+      <a:lvl7pPr marR="0" lvl="6" algn="l" rtl="0">
         <a:lnSpc>
           <a:spcPct val="100000"/>
         </a:lnSpc>
@@ -4530,7 +4774,7 @@
           <a:spcPts val="0"/>
         </a:spcAft>
         <a:buNone/>
-        <a:defRPr b="0" i="0" sz="1400" u="none" cap="none" strike="noStrike">
+        <a:defRPr sz="1400" b="0" i="0" u="none" strike="noStrike" cap="none">
           <a:solidFill>
             <a:srgbClr val="000000"/>
           </a:solidFill>
@@ -4540,7 +4784,7 @@
           <a:sym typeface="Arial"/>
         </a:defRPr>
       </a:lvl7pPr>
-      <a:lvl8pPr lvl="7" marR="0" rtl="0" algn="l">
+      <a:lvl8pPr marR="0" lvl="7" algn="l" rtl="0">
         <a:lnSpc>
           <a:spcPct val="100000"/>
         </a:lnSpc>
@@ -4551,7 +4795,7 @@
           <a:spcPts val="0"/>
         </a:spcAft>
         <a:buNone/>
-        <a:defRPr b="0" i="0" sz="1400" u="none" cap="none" strike="noStrike">
+        <a:defRPr sz="1400" b="0" i="0" u="none" strike="noStrike" cap="none">
           <a:solidFill>
             <a:srgbClr val="000000"/>
           </a:solidFill>
@@ -4561,7 +4805,7 @@
           <a:sym typeface="Arial"/>
         </a:defRPr>
       </a:lvl8pPr>
-      <a:lvl9pPr lvl="8" marR="0" rtl="0" algn="l">
+      <a:lvl9pPr marR="0" lvl="8" algn="l" rtl="0">
         <a:lnSpc>
           <a:spcPct val="100000"/>
         </a:lnSpc>
@@ -4572,7 +4816,7 @@
           <a:spcPts val="0"/>
         </a:spcAft>
         <a:buNone/>
-        <a:defRPr b="0" i="0" sz="1400" u="none" cap="none" strike="noStrike">
+        <a:defRPr sz="1400" b="0" i="0" u="none" strike="noStrike" cap="none">
           <a:solidFill>
             <a:srgbClr val="000000"/>
           </a:solidFill>
@@ -4584,7 +4828,7 @@
       </a:lvl9pPr>
     </p:bodyStyle>
     <p:otherStyle>
-      <a:defPPr lvl="0" marR="0" rtl="0" algn="l">
+      <a:defPPr marR="0" lvl="0" algn="l" rtl="0">
         <a:lnSpc>
           <a:spcPct val="100000"/>
         </a:lnSpc>
@@ -4595,7 +4839,7 @@
           <a:spcPts val="0"/>
         </a:spcAft>
       </a:defPPr>
-      <a:lvl1pPr lvl="0" marR="0" rtl="0" algn="l">
+      <a:lvl1pPr marR="0" lvl="0" algn="l" rtl="0">
         <a:lnSpc>
           <a:spcPct val="100000"/>
         </a:lnSpc>
@@ -4606,7 +4850,7 @@
           <a:spcPts val="0"/>
         </a:spcAft>
         <a:buNone/>
-        <a:defRPr b="0" i="0" sz="1400" u="none" cap="none" strike="noStrike">
+        <a:defRPr sz="1400" b="0" i="0" u="none" strike="noStrike" cap="none">
           <a:solidFill>
             <a:srgbClr val="000000"/>
           </a:solidFill>
@@ -4616,7 +4860,7 @@
           <a:sym typeface="Arial"/>
         </a:defRPr>
       </a:lvl1pPr>
-      <a:lvl2pPr lvl="1" marR="0" rtl="0" algn="l">
+      <a:lvl2pPr marR="0" lvl="1" algn="l" rtl="0">
         <a:lnSpc>
           <a:spcPct val="100000"/>
         </a:lnSpc>
@@ -4627,7 +4871,7 @@
           <a:spcPts val="0"/>
         </a:spcAft>
         <a:buNone/>
-        <a:defRPr b="0" i="0" sz="1400" u="none" cap="none" strike="noStrike">
+        <a:defRPr sz="1400" b="0" i="0" u="none" strike="noStrike" cap="none">
           <a:solidFill>
             <a:srgbClr val="000000"/>
           </a:solidFill>
@@ -4637,7 +4881,7 @@
           <a:sym typeface="Arial"/>
         </a:defRPr>
       </a:lvl2pPr>
-      <a:lvl3pPr lvl="2" marR="0" rtl="0" algn="l">
+      <a:lvl3pPr marR="0" lvl="2" algn="l" rtl="0">
         <a:lnSpc>
           <a:spcPct val="100000"/>
         </a:lnSpc>
@@ -4648,7 +4892,7 @@
           <a:spcPts val="0"/>
         </a:spcAft>
         <a:buNone/>
-        <a:defRPr b="0" i="0" sz="1400" u="none" cap="none" strike="noStrike">
+        <a:defRPr sz="1400" b="0" i="0" u="none" strike="noStrike" cap="none">
           <a:solidFill>
             <a:srgbClr val="000000"/>
           </a:solidFill>
@@ -4658,7 +4902,7 @@
           <a:sym typeface="Arial"/>
         </a:defRPr>
       </a:lvl3pPr>
-      <a:lvl4pPr lvl="3" marR="0" rtl="0" algn="l">
+      <a:lvl4pPr marR="0" lvl="3" algn="l" rtl="0">
         <a:lnSpc>
           <a:spcPct val="100000"/>
         </a:lnSpc>
@@ -4669,7 +4913,7 @@
           <a:spcPts val="0"/>
         </a:spcAft>
         <a:buNone/>
-        <a:defRPr b="0" i="0" sz="1400" u="none" cap="none" strike="noStrike">
+        <a:defRPr sz="1400" b="0" i="0" u="none" strike="noStrike" cap="none">
           <a:solidFill>
             <a:srgbClr val="000000"/>
           </a:solidFill>
@@ -4679,7 +4923,7 @@
           <a:sym typeface="Arial"/>
         </a:defRPr>
       </a:lvl4pPr>
-      <a:lvl5pPr lvl="4" marR="0" rtl="0" algn="l">
+      <a:lvl5pPr marR="0" lvl="4" algn="l" rtl="0">
         <a:lnSpc>
           <a:spcPct val="100000"/>
         </a:lnSpc>
@@ -4690,7 +4934,7 @@
           <a:spcPts val="0"/>
         </a:spcAft>
         <a:buNone/>
-        <a:defRPr b="0" i="0" sz="1400" u="none" cap="none" strike="noStrike">
+        <a:defRPr sz="1400" b="0" i="0" u="none" strike="noStrike" cap="none">
           <a:solidFill>
             <a:srgbClr val="000000"/>
           </a:solidFill>
@@ -4700,7 +4944,7 @@
           <a:sym typeface="Arial"/>
         </a:defRPr>
       </a:lvl5pPr>
-      <a:lvl6pPr lvl="5" marR="0" rtl="0" algn="l">
+      <a:lvl6pPr marR="0" lvl="5" algn="l" rtl="0">
         <a:lnSpc>
           <a:spcPct val="100000"/>
         </a:lnSpc>
@@ -4711,7 +4955,7 @@
           <a:spcPts val="0"/>
         </a:spcAft>
         <a:buNone/>
-        <a:defRPr b="0" i="0" sz="1400" u="none" cap="none" strike="noStrike">
+        <a:defRPr sz="1400" b="0" i="0" u="none" strike="noStrike" cap="none">
           <a:solidFill>
             <a:srgbClr val="000000"/>
           </a:solidFill>
@@ -4721,7 +4965,7 @@
           <a:sym typeface="Arial"/>
         </a:defRPr>
       </a:lvl6pPr>
-      <a:lvl7pPr lvl="6" marR="0" rtl="0" algn="l">
+      <a:lvl7pPr marR="0" lvl="6" algn="l" rtl="0">
         <a:lnSpc>
           <a:spcPct val="100000"/>
         </a:lnSpc>
@@ -4732,7 +4976,7 @@
           <a:spcPts val="0"/>
         </a:spcAft>
         <a:buNone/>
-        <a:defRPr b="0" i="0" sz="1400" u="none" cap="none" strike="noStrike">
+        <a:defRPr sz="1400" b="0" i="0" u="none" strike="noStrike" cap="none">
           <a:solidFill>
             <a:srgbClr val="000000"/>
           </a:solidFill>
@@ -4742,7 +4986,7 @@
           <a:sym typeface="Arial"/>
         </a:defRPr>
       </a:lvl7pPr>
-      <a:lvl8pPr lvl="7" marR="0" rtl="0" algn="l">
+      <a:lvl8pPr marR="0" lvl="7" algn="l" rtl="0">
         <a:lnSpc>
           <a:spcPct val="100000"/>
         </a:lnSpc>
@@ -4753,7 +4997,7 @@
           <a:spcPts val="0"/>
         </a:spcAft>
         <a:buNone/>
-        <a:defRPr b="0" i="0" sz="1400" u="none" cap="none" strike="noStrike">
+        <a:defRPr sz="1400" b="0" i="0" u="none" strike="noStrike" cap="none">
           <a:solidFill>
             <a:srgbClr val="000000"/>
           </a:solidFill>
@@ -4763,7 +5007,7 @@
           <a:sym typeface="Arial"/>
         </a:defRPr>
       </a:lvl8pPr>
-      <a:lvl9pPr lvl="8" marR="0" rtl="0" algn="l">
+      <a:lvl9pPr marR="0" lvl="8" algn="l" rtl="0">
         <a:lnSpc>
           <a:spcPct val="100000"/>
         </a:lnSpc>
@@ -4774,7 +5018,7 @@
           <a:spcPts val="0"/>
         </a:spcAft>
         <a:buNone/>
-        <a:defRPr b="0" i="0" sz="1400" u="none" cap="none" strike="noStrike">
+        <a:defRPr sz="1400" b="0" i="0" u="none" strike="noStrike" cap="none">
           <a:solidFill>
             <a:srgbClr val="000000"/>
           </a:solidFill>
@@ -4790,11 +5034,11 @@
 </file>
 
 <file path=ppt/slides/slide1.xml><?xml version="1.0" encoding="utf-8"?>
-<p:sld xmlns:a="http://schemas.openxmlformats.org/drawingml/2006/main" xmlns:r="http://schemas.openxmlformats.org/officeDocument/2006/relationships" xmlns:mc="http://schemas.openxmlformats.org/markup-compatibility/2006" xmlns:mv="urn:schemas-microsoft-com:mac:vml" xmlns:p="http://schemas.openxmlformats.org/presentationml/2006/main" xmlns:c="http://schemas.openxmlformats.org/drawingml/2006/chart" xmlns:dgm="http://schemas.openxmlformats.org/drawingml/2006/diagram" xmlns:o="urn:schemas-microsoft-com:office:office" xmlns:v="urn:schemas-microsoft-com:vml" xmlns:pvml="urn:schemas-microsoft-com:office:powerpoint" xmlns:com="http://schemas.openxmlformats.org/drawingml/2006/compatibility" xmlns:p14="http://schemas.microsoft.com/office/powerpoint/2010/main" xmlns:p15="http://schemas.microsoft.com/office/powerpoint/2012/main">
+<p:sld xmlns:a="http://schemas.openxmlformats.org/drawingml/2006/main" xmlns:r="http://schemas.openxmlformats.org/officeDocument/2006/relationships" xmlns:p="http://schemas.openxmlformats.org/presentationml/2006/main">
   <p:cSld>
     <p:spTree>
       <p:nvGrpSpPr>
-        <p:cNvPr id="53" name="Shape 53"/>
+        <p:cNvPr id="1" name="Shape 53"/>
         <p:cNvGrpSpPr/>
         <p:nvPr/>
       </p:nvGrpSpPr>
@@ -4809,7 +5053,9 @@
       <p:sp>
         <p:nvSpPr>
           <p:cNvPr id="54" name="Shape 54"/>
-          <p:cNvSpPr txBox="1"/>
+          <p:cNvSpPr txBox="1">
+            <a:spLocks noGrp="1"/>
+          </p:cNvSpPr>
           <p:nvPr>
             <p:ph type="ctrTitle"/>
           </p:nvPr>
@@ -4824,12 +5070,12 @@
           </a:prstGeom>
         </p:spPr>
         <p:txBody>
-          <a:bodyPr anchorCtr="0" anchor="b" bIns="91425" lIns="91425" spcFirstLastPara="1" rIns="91425" wrap="square" tIns="91425">
+          <a:bodyPr spcFirstLastPara="1" wrap="square" lIns="91425" tIns="91425" rIns="91425" bIns="91425" anchor="b" anchorCtr="0">
             <a:noAutofit/>
           </a:bodyPr>
           <a:lstStyle/>
           <a:p>
-            <a:pPr indent="0" lvl="0" marL="0">
+            <a:pPr marL="0" lvl="0" indent="0">
               <a:spcBef>
                 <a:spcPts val="0"/>
               </a:spcBef>
@@ -4849,9 +5095,11 @@
       <p:sp>
         <p:nvSpPr>
           <p:cNvPr id="55" name="Shape 55"/>
-          <p:cNvSpPr txBox="1"/>
+          <p:cNvSpPr txBox="1">
+            <a:spLocks noGrp="1"/>
+          </p:cNvSpPr>
           <p:nvPr>
-            <p:ph idx="1" type="subTitle"/>
+            <p:ph type="subTitle" idx="1"/>
           </p:nvPr>
         </p:nvSpPr>
         <p:spPr>
@@ -4864,12 +5112,12 @@
           </a:prstGeom>
         </p:spPr>
         <p:txBody>
-          <a:bodyPr anchorCtr="0" anchor="t" bIns="91425" lIns="91425" spcFirstLastPara="1" rIns="91425" wrap="square" tIns="91425">
+          <a:bodyPr spcFirstLastPara="1" wrap="square" lIns="91425" tIns="91425" rIns="91425" bIns="91425" anchor="t" anchorCtr="0">
             <a:noAutofit/>
           </a:bodyPr>
           <a:lstStyle/>
           <a:p>
-            <a:pPr indent="0" lvl="0" marL="0">
+            <a:pPr marL="0" lvl="0" indent="0">
               <a:spcBef>
                 <a:spcPts val="0"/>
               </a:spcBef>
@@ -4885,7 +5133,7 @@
             <a:endParaRPr/>
           </a:p>
           <a:p>
-            <a:pPr indent="0" lvl="0" marL="0">
+            <a:pPr marL="0" lvl="0" indent="0">
               <a:spcBef>
                 <a:spcPts val="0"/>
               </a:spcBef>
@@ -4911,11 +5159,11 @@
 </file>
 
 <file path=ppt/slides/slide2.xml><?xml version="1.0" encoding="utf-8"?>
-<p:sld xmlns:a="http://schemas.openxmlformats.org/drawingml/2006/main" xmlns:r="http://schemas.openxmlformats.org/officeDocument/2006/relationships" xmlns:mc="http://schemas.openxmlformats.org/markup-compatibility/2006" xmlns:mv="urn:schemas-microsoft-com:mac:vml" xmlns:p="http://schemas.openxmlformats.org/presentationml/2006/main" xmlns:c="http://schemas.openxmlformats.org/drawingml/2006/chart" xmlns:dgm="http://schemas.openxmlformats.org/drawingml/2006/diagram" xmlns:o="urn:schemas-microsoft-com:office:office" xmlns:v="urn:schemas-microsoft-com:vml" xmlns:pvml="urn:schemas-microsoft-com:office:powerpoint" xmlns:com="http://schemas.openxmlformats.org/drawingml/2006/compatibility" xmlns:p14="http://schemas.microsoft.com/office/powerpoint/2010/main" xmlns:p15="http://schemas.microsoft.com/office/powerpoint/2012/main">
+<p:sld xmlns:a="http://schemas.openxmlformats.org/drawingml/2006/main" xmlns:r="http://schemas.openxmlformats.org/officeDocument/2006/relationships" xmlns:p="http://schemas.openxmlformats.org/presentationml/2006/main">
   <p:cSld>
     <p:spTree>
       <p:nvGrpSpPr>
-        <p:cNvPr id="59" name="Shape 59"/>
+        <p:cNvPr id="1" name="Shape 59"/>
         <p:cNvGrpSpPr/>
         <p:nvPr/>
       </p:nvGrpSpPr>
@@ -4930,7 +5178,9 @@
       <p:sp>
         <p:nvSpPr>
           <p:cNvPr id="60" name="Shape 60"/>
-          <p:cNvSpPr txBox="1"/>
+          <p:cNvSpPr txBox="1">
+            <a:spLocks noGrp="1"/>
+          </p:cNvSpPr>
           <p:nvPr>
             <p:ph type="title"/>
           </p:nvPr>
@@ -4945,12 +5195,12 @@
           </a:prstGeom>
         </p:spPr>
         <p:txBody>
-          <a:bodyPr anchorCtr="0" anchor="t" bIns="91425" lIns="91425" spcFirstLastPara="1" rIns="91425" wrap="square" tIns="91425">
+          <a:bodyPr spcFirstLastPara="1" wrap="square" lIns="91425" tIns="91425" rIns="91425" bIns="91425" anchor="t" anchorCtr="0">
             <a:noAutofit/>
           </a:bodyPr>
           <a:lstStyle/>
           <a:p>
-            <a:pPr indent="0" lvl="0" marL="0">
+            <a:pPr marL="0" lvl="0" indent="0">
               <a:spcBef>
                 <a:spcPts val="0"/>
               </a:spcBef>
@@ -4970,9 +5220,11 @@
       <p:sp>
         <p:nvSpPr>
           <p:cNvPr id="61" name="Shape 61"/>
-          <p:cNvSpPr txBox="1"/>
+          <p:cNvSpPr txBox="1">
+            <a:spLocks noGrp="1"/>
+          </p:cNvSpPr>
           <p:nvPr>
-            <p:ph idx="1" type="body"/>
+            <p:ph type="body" idx="1"/>
           </p:nvPr>
         </p:nvSpPr>
         <p:spPr>
@@ -4985,12 +5237,12 @@
           </a:prstGeom>
         </p:spPr>
         <p:txBody>
-          <a:bodyPr anchorCtr="0" anchor="t" bIns="91425" lIns="91425" spcFirstLastPara="1" rIns="91425" wrap="square" tIns="91425">
+          <a:bodyPr spcFirstLastPara="1" wrap="square" lIns="91425" tIns="91425" rIns="91425" bIns="91425" anchor="t" anchorCtr="0">
             <a:noAutofit/>
           </a:bodyPr>
           <a:lstStyle/>
           <a:p>
-            <a:pPr indent="0" lvl="0" marL="0">
+            <a:pPr marL="0" lvl="0" indent="0">
               <a:spcBef>
                 <a:spcPts val="0"/>
               </a:spcBef>
@@ -5006,7 +5258,7 @@
             <a:endParaRPr/>
           </a:p>
           <a:p>
-            <a:pPr indent="0" lvl="0" marL="0">
+            <a:pPr marL="0" lvl="0" indent="0">
               <a:spcBef>
                 <a:spcPts val="1600"/>
               </a:spcBef>
@@ -5022,7 +5274,7 @@
             <a:endParaRPr/>
           </a:p>
           <a:p>
-            <a:pPr indent="0" lvl="0" marL="0">
+            <a:pPr marL="0" lvl="0" indent="0">
               <a:spcBef>
                 <a:spcPts val="1600"/>
               </a:spcBef>
@@ -5031,9 +5283,6 @@
               </a:spcAft>
               <a:buNone/>
             </a:pPr>
-            <a:r>
-              <a:t/>
-            </a:r>
             <a:endParaRPr/>
           </a:p>
         </p:txBody>
@@ -5075,11 +5324,11 @@
 </file>
 
 <file path=ppt/slides/slide3.xml><?xml version="1.0" encoding="utf-8"?>
-<p:sld xmlns:a="http://schemas.openxmlformats.org/drawingml/2006/main" xmlns:r="http://schemas.openxmlformats.org/officeDocument/2006/relationships" xmlns:mc="http://schemas.openxmlformats.org/markup-compatibility/2006" xmlns:mv="urn:schemas-microsoft-com:mac:vml" xmlns:p="http://schemas.openxmlformats.org/presentationml/2006/main" xmlns:c="http://schemas.openxmlformats.org/drawingml/2006/chart" xmlns:dgm="http://schemas.openxmlformats.org/drawingml/2006/diagram" xmlns:o="urn:schemas-microsoft-com:office:office" xmlns:v="urn:schemas-microsoft-com:vml" xmlns:pvml="urn:schemas-microsoft-com:office:powerpoint" xmlns:com="http://schemas.openxmlformats.org/drawingml/2006/compatibility" xmlns:p14="http://schemas.microsoft.com/office/powerpoint/2010/main" xmlns:p15="http://schemas.microsoft.com/office/powerpoint/2012/main">
+<p:sld xmlns:a="http://schemas.openxmlformats.org/drawingml/2006/main" xmlns:r="http://schemas.openxmlformats.org/officeDocument/2006/relationships" xmlns:p="http://schemas.openxmlformats.org/presentationml/2006/main">
   <p:cSld>
     <p:spTree>
       <p:nvGrpSpPr>
-        <p:cNvPr id="66" name="Shape 66"/>
+        <p:cNvPr id="1" name="Shape 66"/>
         <p:cNvGrpSpPr/>
         <p:nvPr/>
       </p:nvGrpSpPr>
@@ -5094,7 +5343,9 @@
       <p:sp>
         <p:nvSpPr>
           <p:cNvPr id="67" name="Shape 67"/>
-          <p:cNvSpPr txBox="1"/>
+          <p:cNvSpPr txBox="1">
+            <a:spLocks noGrp="1"/>
+          </p:cNvSpPr>
           <p:nvPr>
             <p:ph type="title"/>
           </p:nvPr>
@@ -5109,12 +5360,12 @@
           </a:prstGeom>
         </p:spPr>
         <p:txBody>
-          <a:bodyPr anchorCtr="0" anchor="t" bIns="91425" lIns="91425" spcFirstLastPara="1" rIns="91425" wrap="square" tIns="91425">
+          <a:bodyPr spcFirstLastPara="1" wrap="square" lIns="91425" tIns="91425" rIns="91425" bIns="91425" anchor="t" anchorCtr="0">
             <a:noAutofit/>
           </a:bodyPr>
           <a:lstStyle/>
           <a:p>
-            <a:pPr indent="0" lvl="0" marL="0">
+            <a:pPr marL="0" lvl="0" indent="0">
               <a:spcBef>
                 <a:spcPts val="0"/>
               </a:spcBef>
@@ -5134,9 +5385,11 @@
       <p:sp>
         <p:nvSpPr>
           <p:cNvPr id="68" name="Shape 68"/>
-          <p:cNvSpPr txBox="1"/>
+          <p:cNvSpPr txBox="1">
+            <a:spLocks noGrp="1"/>
+          </p:cNvSpPr>
           <p:nvPr>
-            <p:ph idx="1" type="body"/>
+            <p:ph type="body" idx="1"/>
           </p:nvPr>
         </p:nvSpPr>
         <p:spPr>
@@ -5149,12 +5402,12 @@
           </a:prstGeom>
         </p:spPr>
         <p:txBody>
-          <a:bodyPr anchorCtr="0" anchor="t" bIns="91425" lIns="91425" spcFirstLastPara="1" rIns="91425" wrap="square" tIns="91425">
+          <a:bodyPr spcFirstLastPara="1" wrap="square" lIns="91425" tIns="91425" rIns="91425" bIns="91425" anchor="t" anchorCtr="0">
             <a:noAutofit/>
           </a:bodyPr>
           <a:lstStyle/>
           <a:p>
-            <a:pPr indent="0" lvl="0" marL="0">
+            <a:pPr marL="0" lvl="0" indent="0">
               <a:spcBef>
                 <a:spcPts val="0"/>
               </a:spcBef>
@@ -5180,11 +5433,11 @@
 </file>
 
 <file path=ppt/slides/slide4.xml><?xml version="1.0" encoding="utf-8"?>
-<p:sld xmlns:a="http://schemas.openxmlformats.org/drawingml/2006/main" xmlns:r="http://schemas.openxmlformats.org/officeDocument/2006/relationships" xmlns:mc="http://schemas.openxmlformats.org/markup-compatibility/2006" xmlns:mv="urn:schemas-microsoft-com:mac:vml" xmlns:p="http://schemas.openxmlformats.org/presentationml/2006/main" xmlns:c="http://schemas.openxmlformats.org/drawingml/2006/chart" xmlns:dgm="http://schemas.openxmlformats.org/drawingml/2006/diagram" xmlns:o="urn:schemas-microsoft-com:office:office" xmlns:v="urn:schemas-microsoft-com:vml" xmlns:pvml="urn:schemas-microsoft-com:office:powerpoint" xmlns:com="http://schemas.openxmlformats.org/drawingml/2006/compatibility" xmlns:p14="http://schemas.microsoft.com/office/powerpoint/2010/main" xmlns:p15="http://schemas.microsoft.com/office/powerpoint/2012/main">
+<p:sld xmlns:a="http://schemas.openxmlformats.org/drawingml/2006/main" xmlns:r="http://schemas.openxmlformats.org/officeDocument/2006/relationships" xmlns:p="http://schemas.openxmlformats.org/presentationml/2006/main">
   <p:cSld>
     <p:spTree>
       <p:nvGrpSpPr>
-        <p:cNvPr id="72" name="Shape 72"/>
+        <p:cNvPr id="1" name="Shape 72"/>
         <p:cNvGrpSpPr/>
         <p:nvPr/>
       </p:nvGrpSpPr>
@@ -5199,7 +5452,9 @@
       <p:sp>
         <p:nvSpPr>
           <p:cNvPr id="73" name="Shape 73"/>
-          <p:cNvSpPr txBox="1"/>
+          <p:cNvSpPr txBox="1">
+            <a:spLocks noGrp="1"/>
+          </p:cNvSpPr>
           <p:nvPr>
             <p:ph type="title"/>
           </p:nvPr>
@@ -5214,12 +5469,12 @@
           </a:prstGeom>
         </p:spPr>
         <p:txBody>
-          <a:bodyPr anchorCtr="0" anchor="t" bIns="91425" lIns="91425" spcFirstLastPara="1" rIns="91425" wrap="square" tIns="91425">
+          <a:bodyPr spcFirstLastPara="1" wrap="square" lIns="91425" tIns="91425" rIns="91425" bIns="91425" anchor="t" anchorCtr="0">
             <a:noAutofit/>
           </a:bodyPr>
           <a:lstStyle/>
           <a:p>
-            <a:pPr indent="0" lvl="0" marL="0">
+            <a:pPr marL="0" lvl="0" indent="0">
               <a:spcBef>
                 <a:spcPts val="0"/>
               </a:spcBef>
@@ -5239,9 +5494,11 @@
       <p:sp>
         <p:nvSpPr>
           <p:cNvPr id="74" name="Shape 74"/>
-          <p:cNvSpPr txBox="1"/>
+          <p:cNvSpPr txBox="1">
+            <a:spLocks noGrp="1"/>
+          </p:cNvSpPr>
           <p:nvPr>
-            <p:ph idx="1" type="body"/>
+            <p:ph type="body" idx="1"/>
           </p:nvPr>
         </p:nvSpPr>
         <p:spPr>
@@ -5254,12 +5511,12 @@
           </a:prstGeom>
         </p:spPr>
         <p:txBody>
-          <a:bodyPr anchorCtr="0" anchor="t" bIns="91425" lIns="91425" spcFirstLastPara="1" rIns="91425" wrap="square" tIns="91425">
+          <a:bodyPr spcFirstLastPara="1" wrap="square" lIns="91425" tIns="91425" rIns="91425" bIns="91425" anchor="t" anchorCtr="0">
             <a:noAutofit/>
           </a:bodyPr>
           <a:lstStyle/>
           <a:p>
-            <a:pPr indent="0" lvl="0" marL="0">
+            <a:pPr marL="0" lvl="0" indent="0">
               <a:spcBef>
                 <a:spcPts val="0"/>
               </a:spcBef>
@@ -5269,13 +5526,13 @@
               <a:buNone/>
             </a:pPr>
             <a:r>
-              <a:rPr lang="en"/>
+              <a:rPr lang="en" dirty="0"/>
               <a:t>I intend on trying to get a job in the gaming industry.</a:t>
             </a:r>
-            <a:endParaRPr/>
+            <a:endParaRPr dirty="0"/>
           </a:p>
           <a:p>
-            <a:pPr indent="0" lvl="0" marL="0">
+            <a:pPr marL="0" lvl="0" indent="0">
               <a:spcBef>
                 <a:spcPts val="1600"/>
               </a:spcBef>
@@ -5285,13 +5542,13 @@
               <a:buNone/>
             </a:pPr>
             <a:r>
-              <a:rPr lang="en"/>
+              <a:rPr lang="en" dirty="0"/>
               <a:t>Have played fighting games since I was a kid and always wanted to make my own. </a:t>
             </a:r>
-            <a:endParaRPr/>
+            <a:endParaRPr dirty="0"/>
           </a:p>
           <a:p>
-            <a:pPr indent="0" lvl="0" marL="0">
+            <a:pPr marL="0" lvl="0" indent="0">
               <a:spcBef>
                 <a:spcPts val="1600"/>
               </a:spcBef>
@@ -5301,10 +5558,10 @@
               <a:buNone/>
             </a:pPr>
             <a:r>
-              <a:rPr lang="en"/>
-              <a:t>Good chance to utilize all of the skills I acquired through my years at LMU</a:t>
+              <a:rPr lang="en" dirty="0"/>
+              <a:t>Good chance to utilize all of the skills I acquired through my years at LMU.</a:t>
             </a:r>
-            <a:endParaRPr/>
+            <a:endParaRPr dirty="0"/>
           </a:p>
         </p:txBody>
       </p:sp>
@@ -5317,11 +5574,11 @@
 </file>
 
 <file path=ppt/slides/slide5.xml><?xml version="1.0" encoding="utf-8"?>
-<p:sld xmlns:a="http://schemas.openxmlformats.org/drawingml/2006/main" xmlns:r="http://schemas.openxmlformats.org/officeDocument/2006/relationships" xmlns:mc="http://schemas.openxmlformats.org/markup-compatibility/2006" xmlns:mv="urn:schemas-microsoft-com:mac:vml" xmlns:p="http://schemas.openxmlformats.org/presentationml/2006/main" xmlns:c="http://schemas.openxmlformats.org/drawingml/2006/chart" xmlns:dgm="http://schemas.openxmlformats.org/drawingml/2006/diagram" xmlns:o="urn:schemas-microsoft-com:office:office" xmlns:v="urn:schemas-microsoft-com:vml" xmlns:pvml="urn:schemas-microsoft-com:office:powerpoint" xmlns:com="http://schemas.openxmlformats.org/drawingml/2006/compatibility" xmlns:p14="http://schemas.microsoft.com/office/powerpoint/2010/main" xmlns:p15="http://schemas.microsoft.com/office/powerpoint/2012/main">
+<p:sld xmlns:a="http://schemas.openxmlformats.org/drawingml/2006/main" xmlns:r="http://schemas.openxmlformats.org/officeDocument/2006/relationships" xmlns:p="http://schemas.openxmlformats.org/presentationml/2006/main">
   <p:cSld>
     <p:spTree>
       <p:nvGrpSpPr>
-        <p:cNvPr id="78" name="Shape 78"/>
+        <p:cNvPr id="1" name="Shape 78"/>
         <p:cNvGrpSpPr/>
         <p:nvPr/>
       </p:nvGrpSpPr>
@@ -5336,7 +5593,9 @@
       <p:sp>
         <p:nvSpPr>
           <p:cNvPr id="79" name="Shape 79"/>
-          <p:cNvSpPr txBox="1"/>
+          <p:cNvSpPr txBox="1">
+            <a:spLocks noGrp="1"/>
+          </p:cNvSpPr>
           <p:nvPr>
             <p:ph type="title"/>
           </p:nvPr>
@@ -5351,12 +5610,12 @@
           </a:prstGeom>
         </p:spPr>
         <p:txBody>
-          <a:bodyPr anchorCtr="0" anchor="t" bIns="91425" lIns="91425" spcFirstLastPara="1" rIns="91425" wrap="square" tIns="91425">
+          <a:bodyPr spcFirstLastPara="1" wrap="square" lIns="91425" tIns="91425" rIns="91425" bIns="91425" anchor="t" anchorCtr="0">
             <a:noAutofit/>
           </a:bodyPr>
           <a:lstStyle/>
           <a:p>
-            <a:pPr indent="0" lvl="0" marL="0">
+            <a:pPr marL="0" lvl="0" indent="0">
               <a:spcBef>
                 <a:spcPts val="0"/>
               </a:spcBef>
@@ -5376,9 +5635,11 @@
       <p:sp>
         <p:nvSpPr>
           <p:cNvPr id="80" name="Shape 80"/>
-          <p:cNvSpPr txBox="1"/>
+          <p:cNvSpPr txBox="1">
+            <a:spLocks noGrp="1"/>
+          </p:cNvSpPr>
           <p:nvPr>
-            <p:ph idx="1" type="body"/>
+            <p:ph type="body" idx="1"/>
           </p:nvPr>
         </p:nvSpPr>
         <p:spPr>
@@ -5391,12 +5652,12 @@
           </a:prstGeom>
         </p:spPr>
         <p:txBody>
-          <a:bodyPr anchorCtr="0" anchor="t" bIns="91425" lIns="91425" spcFirstLastPara="1" rIns="91425" wrap="square" tIns="91425">
+          <a:bodyPr spcFirstLastPara="1" wrap="square" lIns="91425" tIns="91425" rIns="91425" bIns="91425" anchor="t" anchorCtr="0">
             <a:noAutofit/>
           </a:bodyPr>
           <a:lstStyle/>
           <a:p>
-            <a:pPr indent="0" lvl="0" marL="0">
+            <a:pPr marL="0" lvl="0" indent="0">
               <a:spcBef>
                 <a:spcPts val="0"/>
               </a:spcBef>
@@ -5405,9 +5666,6 @@
               </a:spcAft>
               <a:buNone/>
             </a:pPr>
-            <a:r>
-              <a:t/>
-            </a:r>
             <a:endParaRPr/>
           </a:p>
         </p:txBody>
@@ -5421,7 +5679,288 @@
 </file>
 
 <file path=ppt/theme/theme1.xml><?xml version="1.0" encoding="utf-8"?>
-<a:theme xmlns:a="http://schemas.openxmlformats.org/drawingml/2006/main" xmlns:r="http://schemas.openxmlformats.org/officeDocument/2006/relationships" name="Custom Theme">
+<a:theme xmlns:a="http://schemas.openxmlformats.org/drawingml/2006/main" name="Simple Light">
+  <a:themeElements>
+    <a:clrScheme name="Simple Light">
+      <a:dk1>
+        <a:srgbClr val="000000"/>
+      </a:dk1>
+      <a:lt1>
+        <a:srgbClr val="FFFFFF"/>
+      </a:lt1>
+      <a:dk2>
+        <a:srgbClr val="595959"/>
+      </a:dk2>
+      <a:lt2>
+        <a:srgbClr val="EEEEEE"/>
+      </a:lt2>
+      <a:accent1>
+        <a:srgbClr val="FFAB40"/>
+      </a:accent1>
+      <a:accent2>
+        <a:srgbClr val="212121"/>
+      </a:accent2>
+      <a:accent3>
+        <a:srgbClr val="78909C"/>
+      </a:accent3>
+      <a:accent4>
+        <a:srgbClr val="FFAB40"/>
+      </a:accent4>
+      <a:accent5>
+        <a:srgbClr val="0097A7"/>
+      </a:accent5>
+      <a:accent6>
+        <a:srgbClr val="EEFF41"/>
+      </a:accent6>
+      <a:hlink>
+        <a:srgbClr val="0097A7"/>
+      </a:hlink>
+      <a:folHlink>
+        <a:srgbClr val="0097A7"/>
+      </a:folHlink>
+    </a:clrScheme>
+    <a:fontScheme name="Office">
+      <a:majorFont>
+        <a:latin typeface="Arial"/>
+        <a:ea typeface=""/>
+        <a:cs typeface=""/>
+        <a:font script="Jpan" typeface="ＭＳ Ｐゴシック"/>
+        <a:font script="Hang" typeface="맑은 고딕"/>
+        <a:font script="Hans" typeface="宋体"/>
+        <a:font script="Hant" typeface="新細明體"/>
+        <a:font script="Arab" typeface="Times New Roman"/>
+        <a:font script="Hebr" typeface="Times New Roman"/>
+        <a:font script="Thai" typeface="Angsana New"/>
+        <a:font script="Ethi" typeface="Nyala"/>
+        <a:font script="Beng" typeface="Vrinda"/>
+        <a:font script="Gujr" typeface="Shruti"/>
+        <a:font script="Khmr" typeface="MoolBoran"/>
+        <a:font script="Knda" typeface="Tunga"/>
+        <a:font script="Guru" typeface="Raavi"/>
+        <a:font script="Cans" typeface="Euphemia"/>
+        <a:font script="Cher" typeface="Plantagenet Cherokee"/>
+        <a:font script="Yiii" typeface="Microsoft Yi Baiti"/>
+        <a:font script="Tibt" typeface="Microsoft Himalaya"/>
+        <a:font script="Thaa" typeface="MV Boli"/>
+        <a:font script="Deva" typeface="Mangal"/>
+        <a:font script="Telu" typeface="Gautami"/>
+        <a:font script="Taml" typeface="Latha"/>
+        <a:font script="Syrc" typeface="Estrangelo Edessa"/>
+        <a:font script="Orya" typeface="Kalinga"/>
+        <a:font script="Mlym" typeface="Kartika"/>
+        <a:font script="Laoo" typeface="DokChampa"/>
+        <a:font script="Sinh" typeface="Iskoola Pota"/>
+        <a:font script="Mong" typeface="Mongolian Baiti"/>
+        <a:font script="Viet" typeface="Times New Roman"/>
+        <a:font script="Uigh" typeface="Microsoft Uighur"/>
+        <a:font script="Geor" typeface="Sylfaen"/>
+      </a:majorFont>
+      <a:minorFont>
+        <a:latin typeface="Arial"/>
+        <a:ea typeface=""/>
+        <a:cs typeface=""/>
+        <a:font script="Jpan" typeface="ＭＳ Ｐゴシック"/>
+        <a:font script="Hang" typeface="맑은 고딕"/>
+        <a:font script="Hans" typeface="宋体"/>
+        <a:font script="Hant" typeface="新細明體"/>
+        <a:font script="Arab" typeface="Arial"/>
+        <a:font script="Hebr" typeface="Arial"/>
+        <a:font script="Thai" typeface="Cordia New"/>
+        <a:font script="Ethi" typeface="Nyala"/>
+        <a:font script="Beng" typeface="Vrinda"/>
+        <a:font script="Gujr" typeface="Shruti"/>
+        <a:font script="Khmr" typeface="DaunPenh"/>
+        <a:font script="Knda" typeface="Tunga"/>
+        <a:font script="Guru" typeface="Raavi"/>
+        <a:font script="Cans" typeface="Euphemia"/>
+        <a:font script="Cher" typeface="Plantagenet Cherokee"/>
+        <a:font script="Yiii" typeface="Microsoft Yi Baiti"/>
+        <a:font script="Tibt" typeface="Microsoft Himalaya"/>
+        <a:font script="Thaa" typeface="MV Boli"/>
+        <a:font script="Deva" typeface="Mangal"/>
+        <a:font script="Telu" typeface="Gautami"/>
+        <a:font script="Taml" typeface="Latha"/>
+        <a:font script="Syrc" typeface="Estrangelo Edessa"/>
+        <a:font script="Orya" typeface="Kalinga"/>
+        <a:font script="Mlym" typeface="Kartika"/>
+        <a:font script="Laoo" typeface="DokChampa"/>
+        <a:font script="Sinh" typeface="Iskoola Pota"/>
+        <a:font script="Mong" typeface="Mongolian Baiti"/>
+        <a:font script="Viet" typeface="Arial"/>
+        <a:font script="Uigh" typeface="Microsoft Uighur"/>
+        <a:font script="Geor" typeface="Sylfaen"/>
+      </a:minorFont>
+    </a:fontScheme>
+    <a:fmtScheme name="Office">
+      <a:fillStyleLst>
+        <a:solidFill>
+          <a:schemeClr val="phClr"/>
+        </a:solidFill>
+        <a:gradFill rotWithShape="1">
+          <a:gsLst>
+            <a:gs pos="0">
+              <a:schemeClr val="phClr">
+                <a:tint val="50000"/>
+                <a:satMod val="300000"/>
+              </a:schemeClr>
+            </a:gs>
+            <a:gs pos="35000">
+              <a:schemeClr val="phClr">
+                <a:tint val="37000"/>
+                <a:satMod val="300000"/>
+              </a:schemeClr>
+            </a:gs>
+            <a:gs pos="100000">
+              <a:schemeClr val="phClr">
+                <a:tint val="15000"/>
+                <a:satMod val="350000"/>
+              </a:schemeClr>
+            </a:gs>
+          </a:gsLst>
+          <a:lin ang="16200000" scaled="1"/>
+        </a:gradFill>
+        <a:gradFill rotWithShape="1">
+          <a:gsLst>
+            <a:gs pos="0">
+              <a:schemeClr val="phClr">
+                <a:tint val="100000"/>
+                <a:shade val="100000"/>
+                <a:satMod val="130000"/>
+              </a:schemeClr>
+            </a:gs>
+            <a:gs pos="100000">
+              <a:schemeClr val="phClr">
+                <a:tint val="50000"/>
+                <a:shade val="100000"/>
+                <a:satMod val="350000"/>
+              </a:schemeClr>
+            </a:gs>
+          </a:gsLst>
+          <a:lin ang="16200000" scaled="0"/>
+        </a:gradFill>
+      </a:fillStyleLst>
+      <a:lnStyleLst>
+        <a:ln w="9525" cap="flat" cmpd="sng" algn="ctr">
+          <a:solidFill>
+            <a:schemeClr val="phClr">
+              <a:shade val="95000"/>
+              <a:satMod val="105000"/>
+            </a:schemeClr>
+          </a:solidFill>
+          <a:prstDash val="solid"/>
+        </a:ln>
+        <a:ln w="25400" cap="flat" cmpd="sng" algn="ctr">
+          <a:solidFill>
+            <a:schemeClr val="phClr"/>
+          </a:solidFill>
+          <a:prstDash val="solid"/>
+        </a:ln>
+        <a:ln w="38100" cap="flat" cmpd="sng" algn="ctr">
+          <a:solidFill>
+            <a:schemeClr val="phClr"/>
+          </a:solidFill>
+          <a:prstDash val="solid"/>
+        </a:ln>
+      </a:lnStyleLst>
+      <a:effectStyleLst>
+        <a:effectStyle>
+          <a:effectLst>
+            <a:outerShdw blurRad="40000" dist="20000" dir="5400000" rotWithShape="0">
+              <a:srgbClr val="000000">
+                <a:alpha val="38000"/>
+              </a:srgbClr>
+            </a:outerShdw>
+          </a:effectLst>
+        </a:effectStyle>
+        <a:effectStyle>
+          <a:effectLst>
+            <a:outerShdw blurRad="40000" dist="23000" dir="5400000" rotWithShape="0">
+              <a:srgbClr val="000000">
+                <a:alpha val="35000"/>
+              </a:srgbClr>
+            </a:outerShdw>
+          </a:effectLst>
+        </a:effectStyle>
+        <a:effectStyle>
+          <a:effectLst>
+            <a:outerShdw blurRad="40000" dist="23000" dir="5400000" rotWithShape="0">
+              <a:srgbClr val="000000">
+                <a:alpha val="35000"/>
+              </a:srgbClr>
+            </a:outerShdw>
+          </a:effectLst>
+          <a:scene3d>
+            <a:camera prst="orthographicFront">
+              <a:rot lat="0" lon="0" rev="0"/>
+            </a:camera>
+            <a:lightRig rig="threePt" dir="t">
+              <a:rot lat="0" lon="0" rev="1200000"/>
+            </a:lightRig>
+          </a:scene3d>
+          <a:sp3d>
+            <a:bevelT w="63500" h="25400"/>
+          </a:sp3d>
+        </a:effectStyle>
+      </a:effectStyleLst>
+      <a:bgFillStyleLst>
+        <a:solidFill>
+          <a:schemeClr val="phClr"/>
+        </a:solidFill>
+        <a:gradFill rotWithShape="1">
+          <a:gsLst>
+            <a:gs pos="0">
+              <a:schemeClr val="phClr">
+                <a:tint val="40000"/>
+                <a:satMod val="350000"/>
+              </a:schemeClr>
+            </a:gs>
+            <a:gs pos="40000">
+              <a:schemeClr val="phClr">
+                <a:tint val="45000"/>
+                <a:shade val="99000"/>
+                <a:satMod val="350000"/>
+              </a:schemeClr>
+            </a:gs>
+            <a:gs pos="100000">
+              <a:schemeClr val="phClr">
+                <a:shade val="20000"/>
+                <a:satMod val="255000"/>
+              </a:schemeClr>
+            </a:gs>
+          </a:gsLst>
+          <a:path path="circle">
+            <a:fillToRect l="50000" t="-80000" r="50000" b="180000"/>
+          </a:path>
+        </a:gradFill>
+        <a:gradFill rotWithShape="1">
+          <a:gsLst>
+            <a:gs pos="0">
+              <a:schemeClr val="phClr">
+                <a:tint val="80000"/>
+                <a:satMod val="300000"/>
+              </a:schemeClr>
+            </a:gs>
+            <a:gs pos="100000">
+              <a:schemeClr val="phClr">
+                <a:shade val="30000"/>
+                <a:satMod val="200000"/>
+              </a:schemeClr>
+            </a:gs>
+          </a:gsLst>
+          <a:path path="circle">
+            <a:fillToRect l="50000" t="50000" r="50000" b="50000"/>
+          </a:path>
+        </a:gradFill>
+      </a:bgFillStyleLst>
+    </a:fmtScheme>
+  </a:themeElements>
+  <a:objectDefaults/>
+  <a:extraClrSchemeLst/>
+</a:theme>
+</file>
+
+<file path=ppt/theme/theme2.xml><?xml version="1.0" encoding="utf-8"?>
+<a:theme xmlns:a="http://schemas.openxmlformats.org/drawingml/2006/main" name="Custom Theme">
   <a:themeElements>
     <a:clrScheme name="Default">
       <a:dk1>
@@ -5696,284 +6235,7 @@
       </a:bgFillStyleLst>
     </a:fmtScheme>
   </a:themeElements>
-</a:theme>
-</file>
-
-<file path=ppt/theme/theme2.xml><?xml version="1.0" encoding="utf-8"?>
-<a:theme xmlns:a="http://schemas.openxmlformats.org/drawingml/2006/main" xmlns:r="http://schemas.openxmlformats.org/officeDocument/2006/relationships" name="Simple Light">
-  <a:themeElements>
-    <a:clrScheme name="Simple Light">
-      <a:dk1>
-        <a:srgbClr val="000000"/>
-      </a:dk1>
-      <a:lt1>
-        <a:srgbClr val="FFFFFF"/>
-      </a:lt1>
-      <a:dk2>
-        <a:srgbClr val="595959"/>
-      </a:dk2>
-      <a:lt2>
-        <a:srgbClr val="EEEEEE"/>
-      </a:lt2>
-      <a:accent1>
-        <a:srgbClr val="FFAB40"/>
-      </a:accent1>
-      <a:accent2>
-        <a:srgbClr val="212121"/>
-      </a:accent2>
-      <a:accent3>
-        <a:srgbClr val="78909C"/>
-      </a:accent3>
-      <a:accent4>
-        <a:srgbClr val="FFAB40"/>
-      </a:accent4>
-      <a:accent5>
-        <a:srgbClr val="0097A7"/>
-      </a:accent5>
-      <a:accent6>
-        <a:srgbClr val="EEFF41"/>
-      </a:accent6>
-      <a:hlink>
-        <a:srgbClr val="0097A7"/>
-      </a:hlink>
-      <a:folHlink>
-        <a:srgbClr val="0097A7"/>
-      </a:folHlink>
-    </a:clrScheme>
-    <a:fontScheme name="Office">
-      <a:majorFont>
-        <a:latin typeface="Arial"/>
-        <a:ea typeface=""/>
-        <a:cs typeface=""/>
-        <a:font script="Jpan" typeface="ＭＳ Ｐゴシック"/>
-        <a:font script="Hang" typeface="맑은 고딕"/>
-        <a:font script="Hans" typeface="宋体"/>
-        <a:font script="Hant" typeface="新細明體"/>
-        <a:font script="Arab" typeface="Times New Roman"/>
-        <a:font script="Hebr" typeface="Times New Roman"/>
-        <a:font script="Thai" typeface="Angsana New"/>
-        <a:font script="Ethi" typeface="Nyala"/>
-        <a:font script="Beng" typeface="Vrinda"/>
-        <a:font script="Gujr" typeface="Shruti"/>
-        <a:font script="Khmr" typeface="MoolBoran"/>
-        <a:font script="Knda" typeface="Tunga"/>
-        <a:font script="Guru" typeface="Raavi"/>
-        <a:font script="Cans" typeface="Euphemia"/>
-        <a:font script="Cher" typeface="Plantagenet Cherokee"/>
-        <a:font script="Yiii" typeface="Microsoft Yi Baiti"/>
-        <a:font script="Tibt" typeface="Microsoft Himalaya"/>
-        <a:font script="Thaa" typeface="MV Boli"/>
-        <a:font script="Deva" typeface="Mangal"/>
-        <a:font script="Telu" typeface="Gautami"/>
-        <a:font script="Taml" typeface="Latha"/>
-        <a:font script="Syrc" typeface="Estrangelo Edessa"/>
-        <a:font script="Orya" typeface="Kalinga"/>
-        <a:font script="Mlym" typeface="Kartika"/>
-        <a:font script="Laoo" typeface="DokChampa"/>
-        <a:font script="Sinh" typeface="Iskoola Pota"/>
-        <a:font script="Mong" typeface="Mongolian Baiti"/>
-        <a:font script="Viet" typeface="Times New Roman"/>
-        <a:font script="Uigh" typeface="Microsoft Uighur"/>
-        <a:font script="Geor" typeface="Sylfaen"/>
-      </a:majorFont>
-      <a:minorFont>
-        <a:latin typeface="Arial"/>
-        <a:ea typeface=""/>
-        <a:cs typeface=""/>
-        <a:font script="Jpan" typeface="ＭＳ Ｐゴシック"/>
-        <a:font script="Hang" typeface="맑은 고딕"/>
-        <a:font script="Hans" typeface="宋体"/>
-        <a:font script="Hant" typeface="新細明體"/>
-        <a:font script="Arab" typeface="Arial"/>
-        <a:font script="Hebr" typeface="Arial"/>
-        <a:font script="Thai" typeface="Cordia New"/>
-        <a:font script="Ethi" typeface="Nyala"/>
-        <a:font script="Beng" typeface="Vrinda"/>
-        <a:font script="Gujr" typeface="Shruti"/>
-        <a:font script="Khmr" typeface="DaunPenh"/>
-        <a:font script="Knda" typeface="Tunga"/>
-        <a:font script="Guru" typeface="Raavi"/>
-        <a:font script="Cans" typeface="Euphemia"/>
-        <a:font script="Cher" typeface="Plantagenet Cherokee"/>
-        <a:font script="Yiii" typeface="Microsoft Yi Baiti"/>
-        <a:font script="Tibt" typeface="Microsoft Himalaya"/>
-        <a:font script="Thaa" typeface="MV Boli"/>
-        <a:font script="Deva" typeface="Mangal"/>
-        <a:font script="Telu" typeface="Gautami"/>
-        <a:font script="Taml" typeface="Latha"/>
-        <a:font script="Syrc" typeface="Estrangelo Edessa"/>
-        <a:font script="Orya" typeface="Kalinga"/>
-        <a:font script="Mlym" typeface="Kartika"/>
-        <a:font script="Laoo" typeface="DokChampa"/>
-        <a:font script="Sinh" typeface="Iskoola Pota"/>
-        <a:font script="Mong" typeface="Mongolian Baiti"/>
-        <a:font script="Viet" typeface="Arial"/>
-        <a:font script="Uigh" typeface="Microsoft Uighur"/>
-        <a:font script="Geor" typeface="Sylfaen"/>
-      </a:minorFont>
-    </a:fontScheme>
-    <a:fmtScheme name="Office">
-      <a:fillStyleLst>
-        <a:solidFill>
-          <a:schemeClr val="phClr"/>
-        </a:solidFill>
-        <a:gradFill rotWithShape="1">
-          <a:gsLst>
-            <a:gs pos="0">
-              <a:schemeClr val="phClr">
-                <a:tint val="50000"/>
-                <a:satMod val="300000"/>
-              </a:schemeClr>
-            </a:gs>
-            <a:gs pos="35000">
-              <a:schemeClr val="phClr">
-                <a:tint val="37000"/>
-                <a:satMod val="300000"/>
-              </a:schemeClr>
-            </a:gs>
-            <a:gs pos="100000">
-              <a:schemeClr val="phClr">
-                <a:tint val="15000"/>
-                <a:satMod val="350000"/>
-              </a:schemeClr>
-            </a:gs>
-          </a:gsLst>
-          <a:lin ang="16200000" scaled="1"/>
-        </a:gradFill>
-        <a:gradFill rotWithShape="1">
-          <a:gsLst>
-            <a:gs pos="0">
-              <a:schemeClr val="phClr">
-                <a:tint val="100000"/>
-                <a:shade val="100000"/>
-                <a:satMod val="130000"/>
-              </a:schemeClr>
-            </a:gs>
-            <a:gs pos="100000">
-              <a:schemeClr val="phClr">
-                <a:tint val="50000"/>
-                <a:shade val="100000"/>
-                <a:satMod val="350000"/>
-              </a:schemeClr>
-            </a:gs>
-          </a:gsLst>
-          <a:lin ang="16200000" scaled="0"/>
-        </a:gradFill>
-      </a:fillStyleLst>
-      <a:lnStyleLst>
-        <a:ln w="9525" cap="flat" cmpd="sng" algn="ctr">
-          <a:solidFill>
-            <a:schemeClr val="phClr">
-              <a:shade val="95000"/>
-              <a:satMod val="105000"/>
-            </a:schemeClr>
-          </a:solidFill>
-          <a:prstDash val="solid"/>
-        </a:ln>
-        <a:ln w="25400" cap="flat" cmpd="sng" algn="ctr">
-          <a:solidFill>
-            <a:schemeClr val="phClr"/>
-          </a:solidFill>
-          <a:prstDash val="solid"/>
-        </a:ln>
-        <a:ln w="38100" cap="flat" cmpd="sng" algn="ctr">
-          <a:solidFill>
-            <a:schemeClr val="phClr"/>
-          </a:solidFill>
-          <a:prstDash val="solid"/>
-        </a:ln>
-      </a:lnStyleLst>
-      <a:effectStyleLst>
-        <a:effectStyle>
-          <a:effectLst>
-            <a:outerShdw blurRad="40000" dist="20000" dir="5400000" rotWithShape="0">
-              <a:srgbClr val="000000">
-                <a:alpha val="38000"/>
-              </a:srgbClr>
-            </a:outerShdw>
-          </a:effectLst>
-        </a:effectStyle>
-        <a:effectStyle>
-          <a:effectLst>
-            <a:outerShdw blurRad="40000" dist="23000" dir="5400000" rotWithShape="0">
-              <a:srgbClr val="000000">
-                <a:alpha val="35000"/>
-              </a:srgbClr>
-            </a:outerShdw>
-          </a:effectLst>
-        </a:effectStyle>
-        <a:effectStyle>
-          <a:effectLst>
-            <a:outerShdw blurRad="40000" dist="23000" dir="5400000" rotWithShape="0">
-              <a:srgbClr val="000000">
-                <a:alpha val="35000"/>
-              </a:srgbClr>
-            </a:outerShdw>
-          </a:effectLst>
-          <a:scene3d>
-            <a:camera prst="orthographicFront">
-              <a:rot lat="0" lon="0" rev="0"/>
-            </a:camera>
-            <a:lightRig rig="threePt" dir="t">
-              <a:rot lat="0" lon="0" rev="1200000"/>
-            </a:lightRig>
-          </a:scene3d>
-          <a:sp3d>
-            <a:bevelT w="63500" h="25400"/>
-          </a:sp3d>
-        </a:effectStyle>
-      </a:effectStyleLst>
-      <a:bgFillStyleLst>
-        <a:solidFill>
-          <a:schemeClr val="phClr"/>
-        </a:solidFill>
-        <a:gradFill rotWithShape="1">
-          <a:gsLst>
-            <a:gs pos="0">
-              <a:schemeClr val="phClr">
-                <a:tint val="40000"/>
-                <a:satMod val="350000"/>
-              </a:schemeClr>
-            </a:gs>
-            <a:gs pos="40000">
-              <a:schemeClr val="phClr">
-                <a:tint val="45000"/>
-                <a:shade val="99000"/>
-                <a:satMod val="350000"/>
-              </a:schemeClr>
-            </a:gs>
-            <a:gs pos="100000">
-              <a:schemeClr val="phClr">
-                <a:shade val="20000"/>
-                <a:satMod val="255000"/>
-              </a:schemeClr>
-            </a:gs>
-          </a:gsLst>
-          <a:path path="circle">
-            <a:fillToRect l="50000" t="-80000" r="50000" b="180000"/>
-          </a:path>
-        </a:gradFill>
-        <a:gradFill rotWithShape="1">
-          <a:gsLst>
-            <a:gs pos="0">
-              <a:schemeClr val="phClr">
-                <a:tint val="80000"/>
-                <a:satMod val="300000"/>
-              </a:schemeClr>
-            </a:gs>
-            <a:gs pos="100000">
-              <a:schemeClr val="phClr">
-                <a:shade val="30000"/>
-                <a:satMod val="200000"/>
-              </a:schemeClr>
-            </a:gs>
-          </a:gsLst>
-          <a:path path="circle">
-            <a:fillToRect l="50000" t="50000" r="50000" b="50000"/>
-          </a:path>
-        </a:gradFill>
-      </a:bgFillStyleLst>
-    </a:fmtScheme>
-  </a:themeElements>
+  <a:objectDefaults/>
+  <a:extraClrSchemeLst/>
 </a:theme>
 </file>